--- a/PotentialPaperFigures/HaplotypeDivisionNovember25_2016.pptx
+++ b/PotentialPaperFigures/HaplotypeDivisionNovember25_2016.pptx
@@ -5,19 +5,20 @@
     <p:sldMasterId id="2147483648" r:id="rId1"/>
   </p:sldMasterIdLst>
   <p:notesMasterIdLst>
-    <p:notesMasterId r:id="rId3"/>
+    <p:notesMasterId r:id="rId4"/>
   </p:notesMasterIdLst>
   <p:sldIdLst>
     <p:sldId id="258" r:id="rId2"/>
+    <p:sldId id="259" r:id="rId3"/>
   </p:sldIdLst>
-  <p:sldSz cx="9144000" cy="6858000" type="screen4x3"/>
+  <p:sldSz cx="18288000" cy="13716000"/>
   <p:notesSz cx="6858000" cy="9144000"/>
   <p:defaultTextStyle>
     <a:defPPr>
       <a:defRPr lang="en-US"/>
     </a:defPPr>
-    <a:lvl1pPr marL="0" algn="l" defTabSz="457200" rtl="0" eaLnBrk="1" latinLnBrk="0" hangingPunct="1">
-      <a:defRPr sz="1800" kern="1200">
+    <a:lvl1pPr marL="0" algn="l" defTabSz="914400" rtl="0" eaLnBrk="1" latinLnBrk="0" hangingPunct="1">
+      <a:defRPr sz="3600" kern="1200">
         <a:solidFill>
           <a:schemeClr val="tx1"/>
         </a:solidFill>
@@ -26,8 +27,8 @@
         <a:cs typeface="+mn-cs"/>
       </a:defRPr>
     </a:lvl1pPr>
-    <a:lvl2pPr marL="457200" algn="l" defTabSz="457200" rtl="0" eaLnBrk="1" latinLnBrk="0" hangingPunct="1">
-      <a:defRPr sz="1800" kern="1200">
+    <a:lvl2pPr marL="914400" algn="l" defTabSz="914400" rtl="0" eaLnBrk="1" latinLnBrk="0" hangingPunct="1">
+      <a:defRPr sz="3600" kern="1200">
         <a:solidFill>
           <a:schemeClr val="tx1"/>
         </a:solidFill>
@@ -36,8 +37,8 @@
         <a:cs typeface="+mn-cs"/>
       </a:defRPr>
     </a:lvl2pPr>
-    <a:lvl3pPr marL="914400" algn="l" defTabSz="457200" rtl="0" eaLnBrk="1" latinLnBrk="0" hangingPunct="1">
-      <a:defRPr sz="1800" kern="1200">
+    <a:lvl3pPr marL="1828800" algn="l" defTabSz="914400" rtl="0" eaLnBrk="1" latinLnBrk="0" hangingPunct="1">
+      <a:defRPr sz="3600" kern="1200">
         <a:solidFill>
           <a:schemeClr val="tx1"/>
         </a:solidFill>
@@ -46,8 +47,8 @@
         <a:cs typeface="+mn-cs"/>
       </a:defRPr>
     </a:lvl3pPr>
-    <a:lvl4pPr marL="1371600" algn="l" defTabSz="457200" rtl="0" eaLnBrk="1" latinLnBrk="0" hangingPunct="1">
-      <a:defRPr sz="1800" kern="1200">
+    <a:lvl4pPr marL="2743200" algn="l" defTabSz="914400" rtl="0" eaLnBrk="1" latinLnBrk="0" hangingPunct="1">
+      <a:defRPr sz="3600" kern="1200">
         <a:solidFill>
           <a:schemeClr val="tx1"/>
         </a:solidFill>
@@ -56,8 +57,8 @@
         <a:cs typeface="+mn-cs"/>
       </a:defRPr>
     </a:lvl4pPr>
-    <a:lvl5pPr marL="1828800" algn="l" defTabSz="457200" rtl="0" eaLnBrk="1" latinLnBrk="0" hangingPunct="1">
-      <a:defRPr sz="1800" kern="1200">
+    <a:lvl5pPr marL="3657600" algn="l" defTabSz="914400" rtl="0" eaLnBrk="1" latinLnBrk="0" hangingPunct="1">
+      <a:defRPr sz="3600" kern="1200">
         <a:solidFill>
           <a:schemeClr val="tx1"/>
         </a:solidFill>
@@ -66,8 +67,8 @@
         <a:cs typeface="+mn-cs"/>
       </a:defRPr>
     </a:lvl5pPr>
-    <a:lvl6pPr marL="2286000" algn="l" defTabSz="457200" rtl="0" eaLnBrk="1" latinLnBrk="0" hangingPunct="1">
-      <a:defRPr sz="1800" kern="1200">
+    <a:lvl6pPr marL="4572000" algn="l" defTabSz="914400" rtl="0" eaLnBrk="1" latinLnBrk="0" hangingPunct="1">
+      <a:defRPr sz="3600" kern="1200">
         <a:solidFill>
           <a:schemeClr val="tx1"/>
         </a:solidFill>
@@ -76,8 +77,8 @@
         <a:cs typeface="+mn-cs"/>
       </a:defRPr>
     </a:lvl6pPr>
-    <a:lvl7pPr marL="2743200" algn="l" defTabSz="457200" rtl="0" eaLnBrk="1" latinLnBrk="0" hangingPunct="1">
-      <a:defRPr sz="1800" kern="1200">
+    <a:lvl7pPr marL="5486400" algn="l" defTabSz="914400" rtl="0" eaLnBrk="1" latinLnBrk="0" hangingPunct="1">
+      <a:defRPr sz="3600" kern="1200">
         <a:solidFill>
           <a:schemeClr val="tx1"/>
         </a:solidFill>
@@ -86,8 +87,8 @@
         <a:cs typeface="+mn-cs"/>
       </a:defRPr>
     </a:lvl7pPr>
-    <a:lvl8pPr marL="3200400" algn="l" defTabSz="457200" rtl="0" eaLnBrk="1" latinLnBrk="0" hangingPunct="1">
-      <a:defRPr sz="1800" kern="1200">
+    <a:lvl8pPr marL="6400800" algn="l" defTabSz="914400" rtl="0" eaLnBrk="1" latinLnBrk="0" hangingPunct="1">
+      <a:defRPr sz="3600" kern="1200">
         <a:solidFill>
           <a:schemeClr val="tx1"/>
         </a:solidFill>
@@ -96,8 +97,8 @@
         <a:cs typeface="+mn-cs"/>
       </a:defRPr>
     </a:lvl8pPr>
-    <a:lvl9pPr marL="3657600" algn="l" defTabSz="457200" rtl="0" eaLnBrk="1" latinLnBrk="0" hangingPunct="1">
-      <a:defRPr sz="1800" kern="1200">
+    <a:lvl9pPr marL="7315200" algn="l" defTabSz="914400" rtl="0" eaLnBrk="1" latinLnBrk="0" hangingPunct="1">
+      <a:defRPr sz="3600" kern="1200">
         <a:solidFill>
           <a:schemeClr val="tx1"/>
         </a:solidFill>
@@ -107,6 +108,22 @@
       </a:defRPr>
     </a:lvl9pPr>
   </p:defaultTextStyle>
+  <p:extLst>
+    <p:ext uri="{EFAFB233-063F-42B5-8137-9DF3F51BA10A}">
+      <p15:sldGuideLst xmlns:p15="http://schemas.microsoft.com/office/powerpoint/2012/main">
+        <p15:guide id="1" orient="horz" pos="4320" userDrawn="1">
+          <p15:clr>
+            <a:srgbClr val="A4A3A4"/>
+          </p15:clr>
+        </p15:guide>
+        <p15:guide id="2" pos="5760" userDrawn="1">
+          <p15:clr>
+            <a:srgbClr val="A4A3A4"/>
+          </p15:clr>
+        </p15:guide>
+      </p15:sldGuideLst>
+    </p:ext>
+  </p:extLst>
 </p:presentation>
 </file>
 
@@ -191,7 +208,7 @@
           </a:lstStyle>
           <a:p>
             <a:fld id="{28543B86-FCE1-BB41-94EF-5B5F3BCDC75F}" type="datetimeFigureOut">
-              <a:t>12/3/16</a:t>
+              <a:t>3/14/21</a:t>
             </a:fld>
             <a:endParaRPr lang="en-US"/>
           </a:p>
@@ -364,8 +381,8 @@
   </p:cSld>
   <p:clrMap bg1="lt1" tx1="dk1" bg2="lt2" tx2="dk2" accent1="accent1" accent2="accent2" accent3="accent3" accent4="accent4" accent5="accent5" accent6="accent6" hlink="hlink" folHlink="folHlink"/>
   <p:notesStyle>
-    <a:lvl1pPr marL="0" algn="l" defTabSz="457200" rtl="0" eaLnBrk="1" latinLnBrk="0" hangingPunct="1">
-      <a:defRPr sz="1200" kern="1200">
+    <a:lvl1pPr marL="0" algn="l" defTabSz="914400" rtl="0" eaLnBrk="1" latinLnBrk="0" hangingPunct="1">
+      <a:defRPr sz="2400" kern="1200">
         <a:solidFill>
           <a:schemeClr val="tx1"/>
         </a:solidFill>
@@ -374,8 +391,8 @@
         <a:cs typeface="+mn-cs"/>
       </a:defRPr>
     </a:lvl1pPr>
-    <a:lvl2pPr marL="457200" algn="l" defTabSz="457200" rtl="0" eaLnBrk="1" latinLnBrk="0" hangingPunct="1">
-      <a:defRPr sz="1200" kern="1200">
+    <a:lvl2pPr marL="914400" algn="l" defTabSz="914400" rtl="0" eaLnBrk="1" latinLnBrk="0" hangingPunct="1">
+      <a:defRPr sz="2400" kern="1200">
         <a:solidFill>
           <a:schemeClr val="tx1"/>
         </a:solidFill>
@@ -384,8 +401,8 @@
         <a:cs typeface="+mn-cs"/>
       </a:defRPr>
     </a:lvl2pPr>
-    <a:lvl3pPr marL="914400" algn="l" defTabSz="457200" rtl="0" eaLnBrk="1" latinLnBrk="0" hangingPunct="1">
-      <a:defRPr sz="1200" kern="1200">
+    <a:lvl3pPr marL="1828800" algn="l" defTabSz="914400" rtl="0" eaLnBrk="1" latinLnBrk="0" hangingPunct="1">
+      <a:defRPr sz="2400" kern="1200">
         <a:solidFill>
           <a:schemeClr val="tx1"/>
         </a:solidFill>
@@ -394,8 +411,8 @@
         <a:cs typeface="+mn-cs"/>
       </a:defRPr>
     </a:lvl3pPr>
-    <a:lvl4pPr marL="1371600" algn="l" defTabSz="457200" rtl="0" eaLnBrk="1" latinLnBrk="0" hangingPunct="1">
-      <a:defRPr sz="1200" kern="1200">
+    <a:lvl4pPr marL="2743200" algn="l" defTabSz="914400" rtl="0" eaLnBrk="1" latinLnBrk="0" hangingPunct="1">
+      <a:defRPr sz="2400" kern="1200">
         <a:solidFill>
           <a:schemeClr val="tx1"/>
         </a:solidFill>
@@ -404,8 +421,8 @@
         <a:cs typeface="+mn-cs"/>
       </a:defRPr>
     </a:lvl4pPr>
-    <a:lvl5pPr marL="1828800" algn="l" defTabSz="457200" rtl="0" eaLnBrk="1" latinLnBrk="0" hangingPunct="1">
-      <a:defRPr sz="1200" kern="1200">
+    <a:lvl5pPr marL="3657600" algn="l" defTabSz="914400" rtl="0" eaLnBrk="1" latinLnBrk="0" hangingPunct="1">
+      <a:defRPr sz="2400" kern="1200">
         <a:solidFill>
           <a:schemeClr val="tx1"/>
         </a:solidFill>
@@ -414,8 +431,8 @@
         <a:cs typeface="+mn-cs"/>
       </a:defRPr>
     </a:lvl5pPr>
-    <a:lvl6pPr marL="2286000" algn="l" defTabSz="457200" rtl="0" eaLnBrk="1" latinLnBrk="0" hangingPunct="1">
-      <a:defRPr sz="1200" kern="1200">
+    <a:lvl6pPr marL="4572000" algn="l" defTabSz="914400" rtl="0" eaLnBrk="1" latinLnBrk="0" hangingPunct="1">
+      <a:defRPr sz="2400" kern="1200">
         <a:solidFill>
           <a:schemeClr val="tx1"/>
         </a:solidFill>
@@ -424,8 +441,8 @@
         <a:cs typeface="+mn-cs"/>
       </a:defRPr>
     </a:lvl6pPr>
-    <a:lvl7pPr marL="2743200" algn="l" defTabSz="457200" rtl="0" eaLnBrk="1" latinLnBrk="0" hangingPunct="1">
-      <a:defRPr sz="1200" kern="1200">
+    <a:lvl7pPr marL="5486400" algn="l" defTabSz="914400" rtl="0" eaLnBrk="1" latinLnBrk="0" hangingPunct="1">
+      <a:defRPr sz="2400" kern="1200">
         <a:solidFill>
           <a:schemeClr val="tx1"/>
         </a:solidFill>
@@ -434,8 +451,8 @@
         <a:cs typeface="+mn-cs"/>
       </a:defRPr>
     </a:lvl7pPr>
-    <a:lvl8pPr marL="3200400" algn="l" defTabSz="457200" rtl="0" eaLnBrk="1" latinLnBrk="0" hangingPunct="1">
-      <a:defRPr sz="1200" kern="1200">
+    <a:lvl8pPr marL="6400800" algn="l" defTabSz="914400" rtl="0" eaLnBrk="1" latinLnBrk="0" hangingPunct="1">
+      <a:defRPr sz="2400" kern="1200">
         <a:solidFill>
           <a:schemeClr val="tx1"/>
         </a:solidFill>
@@ -444,8 +461,8 @@
         <a:cs typeface="+mn-cs"/>
       </a:defRPr>
     </a:lvl8pPr>
-    <a:lvl9pPr marL="3657600" algn="l" defTabSz="457200" rtl="0" eaLnBrk="1" latinLnBrk="0" hangingPunct="1">
-      <a:defRPr sz="1200" kern="1200">
+    <a:lvl9pPr marL="7315200" algn="l" defTabSz="914400" rtl="0" eaLnBrk="1" latinLnBrk="0" hangingPunct="1">
+      <a:defRPr sz="2400" kern="1200">
         <a:solidFill>
           <a:schemeClr val="tx1"/>
         </a:solidFill>
@@ -609,8 +626,8 @@
         </p:nvSpPr>
         <p:spPr>
           <a:xfrm>
-            <a:off x="685800" y="2130425"/>
-            <a:ext cx="7772400" cy="1470025"/>
+            <a:off x="1371600" y="4260851"/>
+            <a:ext cx="15544800" cy="2940050"/>
           </a:xfrm>
         </p:spPr>
         <p:txBody>
@@ -637,8 +654,8 @@
         </p:nvSpPr>
         <p:spPr>
           <a:xfrm>
-            <a:off x="1371600" y="3886200"/>
-            <a:ext cx="6400800" cy="1752600"/>
+            <a:off x="2743200" y="7772400"/>
+            <a:ext cx="12801600" cy="3505200"/>
           </a:xfrm>
         </p:spPr>
         <p:txBody>
@@ -654,7 +671,7 @@
                 </a:solidFill>
               </a:defRPr>
             </a:lvl1pPr>
-            <a:lvl2pPr marL="457200" indent="0" algn="ctr">
+            <a:lvl2pPr marL="914400" indent="0" algn="ctr">
               <a:buNone/>
               <a:defRPr>
                 <a:solidFill>
@@ -664,7 +681,7 @@
                 </a:solidFill>
               </a:defRPr>
             </a:lvl2pPr>
-            <a:lvl3pPr marL="914400" indent="0" algn="ctr">
+            <a:lvl3pPr marL="1828800" indent="0" algn="ctr">
               <a:buNone/>
               <a:defRPr>
                 <a:solidFill>
@@ -674,7 +691,7 @@
                 </a:solidFill>
               </a:defRPr>
             </a:lvl3pPr>
-            <a:lvl4pPr marL="1371600" indent="0" algn="ctr">
+            <a:lvl4pPr marL="2743200" indent="0" algn="ctr">
               <a:buNone/>
               <a:defRPr>
                 <a:solidFill>
@@ -684,7 +701,7 @@
                 </a:solidFill>
               </a:defRPr>
             </a:lvl4pPr>
-            <a:lvl5pPr marL="1828800" indent="0" algn="ctr">
+            <a:lvl5pPr marL="3657600" indent="0" algn="ctr">
               <a:buNone/>
               <a:defRPr>
                 <a:solidFill>
@@ -694,7 +711,7 @@
                 </a:solidFill>
               </a:defRPr>
             </a:lvl5pPr>
-            <a:lvl6pPr marL="2286000" indent="0" algn="ctr">
+            <a:lvl6pPr marL="4572000" indent="0" algn="ctr">
               <a:buNone/>
               <a:defRPr>
                 <a:solidFill>
@@ -704,7 +721,7 @@
                 </a:solidFill>
               </a:defRPr>
             </a:lvl6pPr>
-            <a:lvl7pPr marL="2743200" indent="0" algn="ctr">
+            <a:lvl7pPr marL="5486400" indent="0" algn="ctr">
               <a:buNone/>
               <a:defRPr>
                 <a:solidFill>
@@ -714,7 +731,7 @@
                 </a:solidFill>
               </a:defRPr>
             </a:lvl7pPr>
-            <a:lvl8pPr marL="3200400" indent="0" algn="ctr">
+            <a:lvl8pPr marL="6400800" indent="0" algn="ctr">
               <a:buNone/>
               <a:defRPr>
                 <a:solidFill>
@@ -724,7 +741,7 @@
                 </a:solidFill>
               </a:defRPr>
             </a:lvl8pPr>
-            <a:lvl9pPr marL="3657600" indent="0" algn="ctr">
+            <a:lvl9pPr marL="7315200" indent="0" algn="ctr">
               <a:buNone/>
               <a:defRPr>
                 <a:solidFill>
@@ -760,7 +777,7 @@
           <a:lstStyle/>
           <a:p>
             <a:fld id="{20A093E4-35A8-7145-82D1-B15BB408A48F}" type="datetimeFigureOut">
-              <a:t>12/3/16</a:t>
+              <a:t>3/14/21</a:t>
             </a:fld>
             <a:endParaRPr lang="en-US"/>
           </a:p>
@@ -928,7 +945,7 @@
           <a:lstStyle/>
           <a:p>
             <a:fld id="{20A093E4-35A8-7145-82D1-B15BB408A48F}" type="datetimeFigureOut">
-              <a:t>12/3/16</a:t>
+              <a:t>3/14/21</a:t>
             </a:fld>
             <a:endParaRPr lang="en-US"/>
           </a:p>
@@ -1017,8 +1034,8 @@
         </p:nvSpPr>
         <p:spPr>
           <a:xfrm>
-            <a:off x="6629400" y="274638"/>
-            <a:ext cx="2057400" cy="5851525"/>
+            <a:off x="13258800" y="549277"/>
+            <a:ext cx="4114800" cy="11703050"/>
           </a:xfrm>
         </p:spPr>
         <p:txBody>
@@ -1045,8 +1062,8 @@
         </p:nvSpPr>
         <p:spPr>
           <a:xfrm>
-            <a:off x="457200" y="274638"/>
-            <a:ext cx="6019800" cy="5851525"/>
+            <a:off x="914400" y="549277"/>
+            <a:ext cx="12039600" cy="11703050"/>
           </a:xfrm>
         </p:spPr>
         <p:txBody>
@@ -1106,7 +1123,7 @@
           <a:lstStyle/>
           <a:p>
             <a:fld id="{20A093E4-35A8-7145-82D1-B15BB408A48F}" type="datetimeFigureOut">
-              <a:t>12/3/16</a:t>
+              <a:t>3/14/21</a:t>
             </a:fld>
             <a:endParaRPr lang="en-US"/>
           </a:p>
@@ -1274,7 +1291,7 @@
           <a:lstStyle/>
           <a:p>
             <a:fld id="{20A093E4-35A8-7145-82D1-B15BB408A48F}" type="datetimeFigureOut">
-              <a:t>12/3/16</a:t>
+              <a:t>3/14/21</a:t>
             </a:fld>
             <a:endParaRPr lang="en-US"/>
           </a:p>
@@ -1363,15 +1380,15 @@
         </p:nvSpPr>
         <p:spPr>
           <a:xfrm>
-            <a:off x="722313" y="4406900"/>
-            <a:ext cx="7772400" cy="1362075"/>
+            <a:off x="1444626" y="8813801"/>
+            <a:ext cx="15544800" cy="2724150"/>
           </a:xfrm>
         </p:spPr>
         <p:txBody>
           <a:bodyPr anchor="t"/>
           <a:lstStyle>
             <a:lvl1pPr algn="l">
-              <a:defRPr sz="4000" b="1" cap="all"/>
+              <a:defRPr sz="8000" b="1" cap="all"/>
             </a:lvl1pPr>
           </a:lstStyle>
           <a:p>
@@ -1395,8 +1412,8 @@
         </p:nvSpPr>
         <p:spPr>
           <a:xfrm>
-            <a:off x="722313" y="2906713"/>
-            <a:ext cx="7772400" cy="1500187"/>
+            <a:off x="1444626" y="5813427"/>
+            <a:ext cx="15544800" cy="3000374"/>
           </a:xfrm>
         </p:spPr>
         <p:txBody>
@@ -1404,7 +1421,7 @@
           <a:lstStyle>
             <a:lvl1pPr marL="0" indent="0">
               <a:buNone/>
-              <a:defRPr sz="2000">
+              <a:defRPr sz="4000">
                 <a:solidFill>
                   <a:schemeClr val="tx1">
                     <a:tint val="75000"/>
@@ -1412,9 +1429,9 @@
                 </a:solidFill>
               </a:defRPr>
             </a:lvl1pPr>
-            <a:lvl2pPr marL="457200" indent="0">
-              <a:buNone/>
-              <a:defRPr sz="1800">
+            <a:lvl2pPr marL="914400" indent="0">
+              <a:buNone/>
+              <a:defRPr sz="3600">
                 <a:solidFill>
                   <a:schemeClr val="tx1">
                     <a:tint val="75000"/>
@@ -1422,9 +1439,9 @@
                 </a:solidFill>
               </a:defRPr>
             </a:lvl2pPr>
-            <a:lvl3pPr marL="914400" indent="0">
-              <a:buNone/>
-              <a:defRPr sz="1600">
+            <a:lvl3pPr marL="1828800" indent="0">
+              <a:buNone/>
+              <a:defRPr sz="3200">
                 <a:solidFill>
                   <a:schemeClr val="tx1">
                     <a:tint val="75000"/>
@@ -1432,9 +1449,9 @@
                 </a:solidFill>
               </a:defRPr>
             </a:lvl3pPr>
-            <a:lvl4pPr marL="1371600" indent="0">
-              <a:buNone/>
-              <a:defRPr sz="1400">
+            <a:lvl4pPr marL="2743200" indent="0">
+              <a:buNone/>
+              <a:defRPr sz="2800">
                 <a:solidFill>
                   <a:schemeClr val="tx1">
                     <a:tint val="75000"/>
@@ -1442,9 +1459,9 @@
                 </a:solidFill>
               </a:defRPr>
             </a:lvl4pPr>
-            <a:lvl5pPr marL="1828800" indent="0">
-              <a:buNone/>
-              <a:defRPr sz="1400">
+            <a:lvl5pPr marL="3657600" indent="0">
+              <a:buNone/>
+              <a:defRPr sz="2800">
                 <a:solidFill>
                   <a:schemeClr val="tx1">
                     <a:tint val="75000"/>
@@ -1452,9 +1469,9 @@
                 </a:solidFill>
               </a:defRPr>
             </a:lvl5pPr>
-            <a:lvl6pPr marL="2286000" indent="0">
-              <a:buNone/>
-              <a:defRPr sz="1400">
+            <a:lvl6pPr marL="4572000" indent="0">
+              <a:buNone/>
+              <a:defRPr sz="2800">
                 <a:solidFill>
                   <a:schemeClr val="tx1">
                     <a:tint val="75000"/>
@@ -1462,9 +1479,9 @@
                 </a:solidFill>
               </a:defRPr>
             </a:lvl6pPr>
-            <a:lvl7pPr marL="2743200" indent="0">
-              <a:buNone/>
-              <a:defRPr sz="1400">
+            <a:lvl7pPr marL="5486400" indent="0">
+              <a:buNone/>
+              <a:defRPr sz="2800">
                 <a:solidFill>
                   <a:schemeClr val="tx1">
                     <a:tint val="75000"/>
@@ -1472,9 +1489,9 @@
                 </a:solidFill>
               </a:defRPr>
             </a:lvl7pPr>
-            <a:lvl8pPr marL="3200400" indent="0">
-              <a:buNone/>
-              <a:defRPr sz="1400">
+            <a:lvl8pPr marL="6400800" indent="0">
+              <a:buNone/>
+              <a:defRPr sz="2800">
                 <a:solidFill>
                   <a:schemeClr val="tx1">
                     <a:tint val="75000"/>
@@ -1482,9 +1499,9 @@
                 </a:solidFill>
               </a:defRPr>
             </a:lvl8pPr>
-            <a:lvl9pPr marL="3657600" indent="0">
-              <a:buNone/>
-              <a:defRPr sz="1400">
+            <a:lvl9pPr marL="7315200" indent="0">
+              <a:buNone/>
+              <a:defRPr sz="2800">
                 <a:solidFill>
                   <a:schemeClr val="tx1">
                     <a:tint val="75000"/>
@@ -1518,7 +1535,7 @@
           <a:lstStyle/>
           <a:p>
             <a:fld id="{20A093E4-35A8-7145-82D1-B15BB408A48F}" type="datetimeFigureOut">
-              <a:t>12/3/16</a:t>
+              <a:t>3/14/21</a:t>
             </a:fld>
             <a:endParaRPr lang="en-US"/>
           </a:p>
@@ -1630,39 +1647,39 @@
         </p:nvSpPr>
         <p:spPr>
           <a:xfrm>
-            <a:off x="457200" y="1600200"/>
-            <a:ext cx="4038600" cy="4525963"/>
+            <a:off x="914400" y="3200401"/>
+            <a:ext cx="8077200" cy="9051926"/>
           </a:xfrm>
         </p:spPr>
         <p:txBody>
           <a:bodyPr/>
           <a:lstStyle>
             <a:lvl1pPr>
-              <a:defRPr sz="2800"/>
+              <a:defRPr sz="5600"/>
             </a:lvl1pPr>
             <a:lvl2pPr>
-              <a:defRPr sz="2400"/>
+              <a:defRPr sz="4800"/>
             </a:lvl2pPr>
             <a:lvl3pPr>
-              <a:defRPr sz="2000"/>
+              <a:defRPr sz="4000"/>
             </a:lvl3pPr>
             <a:lvl4pPr>
-              <a:defRPr sz="1800"/>
+              <a:defRPr sz="3600"/>
             </a:lvl4pPr>
             <a:lvl5pPr>
-              <a:defRPr sz="1800"/>
+              <a:defRPr sz="3600"/>
             </a:lvl5pPr>
             <a:lvl6pPr>
-              <a:defRPr sz="1800"/>
+              <a:defRPr sz="3600"/>
             </a:lvl6pPr>
             <a:lvl7pPr>
-              <a:defRPr sz="1800"/>
+              <a:defRPr sz="3600"/>
             </a:lvl7pPr>
             <a:lvl8pPr>
-              <a:defRPr sz="1800"/>
+              <a:defRPr sz="3600"/>
             </a:lvl8pPr>
             <a:lvl9pPr>
-              <a:defRPr sz="1800"/>
+              <a:defRPr sz="3600"/>
             </a:lvl9pPr>
           </a:lstStyle>
           <a:p>
@@ -1715,39 +1732,39 @@
         </p:nvSpPr>
         <p:spPr>
           <a:xfrm>
-            <a:off x="4648200" y="1600200"/>
-            <a:ext cx="4038600" cy="4525963"/>
+            <a:off x="9296400" y="3200401"/>
+            <a:ext cx="8077200" cy="9051926"/>
           </a:xfrm>
         </p:spPr>
         <p:txBody>
           <a:bodyPr/>
           <a:lstStyle>
             <a:lvl1pPr>
-              <a:defRPr sz="2800"/>
+              <a:defRPr sz="5600"/>
             </a:lvl1pPr>
             <a:lvl2pPr>
-              <a:defRPr sz="2400"/>
+              <a:defRPr sz="4800"/>
             </a:lvl2pPr>
             <a:lvl3pPr>
-              <a:defRPr sz="2000"/>
+              <a:defRPr sz="4000"/>
             </a:lvl3pPr>
             <a:lvl4pPr>
-              <a:defRPr sz="1800"/>
+              <a:defRPr sz="3600"/>
             </a:lvl4pPr>
             <a:lvl5pPr>
-              <a:defRPr sz="1800"/>
+              <a:defRPr sz="3600"/>
             </a:lvl5pPr>
             <a:lvl6pPr>
-              <a:defRPr sz="1800"/>
+              <a:defRPr sz="3600"/>
             </a:lvl6pPr>
             <a:lvl7pPr>
-              <a:defRPr sz="1800"/>
+              <a:defRPr sz="3600"/>
             </a:lvl7pPr>
             <a:lvl8pPr>
-              <a:defRPr sz="1800"/>
+              <a:defRPr sz="3600"/>
             </a:lvl8pPr>
             <a:lvl9pPr>
-              <a:defRPr sz="1800"/>
+              <a:defRPr sz="3600"/>
             </a:lvl9pPr>
           </a:lstStyle>
           <a:p>
@@ -1804,7 +1821,7 @@
           <a:lstStyle/>
           <a:p>
             <a:fld id="{20A093E4-35A8-7145-82D1-B15BB408A48F}" type="datetimeFigureOut">
-              <a:t>12/3/16</a:t>
+              <a:t>3/14/21</a:t>
             </a:fld>
             <a:endParaRPr lang="en-US"/>
           </a:p>
@@ -1920,8 +1937,8 @@
         </p:nvSpPr>
         <p:spPr>
           <a:xfrm>
-            <a:off x="457200" y="1535113"/>
-            <a:ext cx="4040188" cy="639762"/>
+            <a:off x="914400" y="3070226"/>
+            <a:ext cx="8080376" cy="1279524"/>
           </a:xfrm>
         </p:spPr>
         <p:txBody>
@@ -1929,39 +1946,39 @@
           <a:lstStyle>
             <a:lvl1pPr marL="0" indent="0">
               <a:buNone/>
-              <a:defRPr sz="2400" b="1"/>
+              <a:defRPr sz="4800" b="1"/>
             </a:lvl1pPr>
-            <a:lvl2pPr marL="457200" indent="0">
-              <a:buNone/>
-              <a:defRPr sz="2000" b="1"/>
+            <a:lvl2pPr marL="914400" indent="0">
+              <a:buNone/>
+              <a:defRPr sz="4000" b="1"/>
             </a:lvl2pPr>
-            <a:lvl3pPr marL="914400" indent="0">
-              <a:buNone/>
-              <a:defRPr sz="1800" b="1"/>
+            <a:lvl3pPr marL="1828800" indent="0">
+              <a:buNone/>
+              <a:defRPr sz="3600" b="1"/>
             </a:lvl3pPr>
-            <a:lvl4pPr marL="1371600" indent="0">
-              <a:buNone/>
-              <a:defRPr sz="1600" b="1"/>
+            <a:lvl4pPr marL="2743200" indent="0">
+              <a:buNone/>
+              <a:defRPr sz="3200" b="1"/>
             </a:lvl4pPr>
-            <a:lvl5pPr marL="1828800" indent="0">
-              <a:buNone/>
-              <a:defRPr sz="1600" b="1"/>
+            <a:lvl5pPr marL="3657600" indent="0">
+              <a:buNone/>
+              <a:defRPr sz="3200" b="1"/>
             </a:lvl5pPr>
-            <a:lvl6pPr marL="2286000" indent="0">
-              <a:buNone/>
-              <a:defRPr sz="1600" b="1"/>
+            <a:lvl6pPr marL="4572000" indent="0">
+              <a:buNone/>
+              <a:defRPr sz="3200" b="1"/>
             </a:lvl6pPr>
-            <a:lvl7pPr marL="2743200" indent="0">
-              <a:buNone/>
-              <a:defRPr sz="1600" b="1"/>
+            <a:lvl7pPr marL="5486400" indent="0">
+              <a:buNone/>
+              <a:defRPr sz="3200" b="1"/>
             </a:lvl7pPr>
-            <a:lvl8pPr marL="3200400" indent="0">
-              <a:buNone/>
-              <a:defRPr sz="1600" b="1"/>
+            <a:lvl8pPr marL="6400800" indent="0">
+              <a:buNone/>
+              <a:defRPr sz="3200" b="1"/>
             </a:lvl8pPr>
-            <a:lvl9pPr marL="3657600" indent="0">
-              <a:buNone/>
-              <a:defRPr sz="1600" b="1"/>
+            <a:lvl9pPr marL="7315200" indent="0">
+              <a:buNone/>
+              <a:defRPr sz="3200" b="1"/>
             </a:lvl9pPr>
           </a:lstStyle>
           <a:p>
@@ -1985,39 +2002,39 @@
         </p:nvSpPr>
         <p:spPr>
           <a:xfrm>
-            <a:off x="457200" y="2174875"/>
-            <a:ext cx="4040188" cy="3951288"/>
+            <a:off x="914400" y="4349750"/>
+            <a:ext cx="8080376" cy="7902576"/>
           </a:xfrm>
         </p:spPr>
         <p:txBody>
           <a:bodyPr/>
           <a:lstStyle>
             <a:lvl1pPr>
-              <a:defRPr sz="2400"/>
+              <a:defRPr sz="4800"/>
             </a:lvl1pPr>
             <a:lvl2pPr>
-              <a:defRPr sz="2000"/>
+              <a:defRPr sz="4000"/>
             </a:lvl2pPr>
             <a:lvl3pPr>
-              <a:defRPr sz="1800"/>
+              <a:defRPr sz="3600"/>
             </a:lvl3pPr>
             <a:lvl4pPr>
-              <a:defRPr sz="1600"/>
+              <a:defRPr sz="3200"/>
             </a:lvl4pPr>
             <a:lvl5pPr>
-              <a:defRPr sz="1600"/>
+              <a:defRPr sz="3200"/>
             </a:lvl5pPr>
             <a:lvl6pPr>
-              <a:defRPr sz="1600"/>
+              <a:defRPr sz="3200"/>
             </a:lvl6pPr>
             <a:lvl7pPr>
-              <a:defRPr sz="1600"/>
+              <a:defRPr sz="3200"/>
             </a:lvl7pPr>
             <a:lvl8pPr>
-              <a:defRPr sz="1600"/>
+              <a:defRPr sz="3200"/>
             </a:lvl8pPr>
             <a:lvl9pPr>
-              <a:defRPr sz="1600"/>
+              <a:defRPr sz="3200"/>
             </a:lvl9pPr>
           </a:lstStyle>
           <a:p>
@@ -2070,8 +2087,8 @@
         </p:nvSpPr>
         <p:spPr>
           <a:xfrm>
-            <a:off x="4645025" y="1535113"/>
-            <a:ext cx="4041775" cy="639762"/>
+            <a:off x="9290051" y="3070226"/>
+            <a:ext cx="8083550" cy="1279524"/>
           </a:xfrm>
         </p:spPr>
         <p:txBody>
@@ -2079,39 +2096,39 @@
           <a:lstStyle>
             <a:lvl1pPr marL="0" indent="0">
               <a:buNone/>
-              <a:defRPr sz="2400" b="1"/>
+              <a:defRPr sz="4800" b="1"/>
             </a:lvl1pPr>
-            <a:lvl2pPr marL="457200" indent="0">
-              <a:buNone/>
-              <a:defRPr sz="2000" b="1"/>
+            <a:lvl2pPr marL="914400" indent="0">
+              <a:buNone/>
+              <a:defRPr sz="4000" b="1"/>
             </a:lvl2pPr>
-            <a:lvl3pPr marL="914400" indent="0">
-              <a:buNone/>
-              <a:defRPr sz="1800" b="1"/>
+            <a:lvl3pPr marL="1828800" indent="0">
+              <a:buNone/>
+              <a:defRPr sz="3600" b="1"/>
             </a:lvl3pPr>
-            <a:lvl4pPr marL="1371600" indent="0">
-              <a:buNone/>
-              <a:defRPr sz="1600" b="1"/>
+            <a:lvl4pPr marL="2743200" indent="0">
+              <a:buNone/>
+              <a:defRPr sz="3200" b="1"/>
             </a:lvl4pPr>
-            <a:lvl5pPr marL="1828800" indent="0">
-              <a:buNone/>
-              <a:defRPr sz="1600" b="1"/>
+            <a:lvl5pPr marL="3657600" indent="0">
+              <a:buNone/>
+              <a:defRPr sz="3200" b="1"/>
             </a:lvl5pPr>
-            <a:lvl6pPr marL="2286000" indent="0">
-              <a:buNone/>
-              <a:defRPr sz="1600" b="1"/>
+            <a:lvl6pPr marL="4572000" indent="0">
+              <a:buNone/>
+              <a:defRPr sz="3200" b="1"/>
             </a:lvl6pPr>
-            <a:lvl7pPr marL="2743200" indent="0">
-              <a:buNone/>
-              <a:defRPr sz="1600" b="1"/>
+            <a:lvl7pPr marL="5486400" indent="0">
+              <a:buNone/>
+              <a:defRPr sz="3200" b="1"/>
             </a:lvl7pPr>
-            <a:lvl8pPr marL="3200400" indent="0">
-              <a:buNone/>
-              <a:defRPr sz="1600" b="1"/>
+            <a:lvl8pPr marL="6400800" indent="0">
+              <a:buNone/>
+              <a:defRPr sz="3200" b="1"/>
             </a:lvl8pPr>
-            <a:lvl9pPr marL="3657600" indent="0">
-              <a:buNone/>
-              <a:defRPr sz="1600" b="1"/>
+            <a:lvl9pPr marL="7315200" indent="0">
+              <a:buNone/>
+              <a:defRPr sz="3200" b="1"/>
             </a:lvl9pPr>
           </a:lstStyle>
           <a:p>
@@ -2135,39 +2152,39 @@
         </p:nvSpPr>
         <p:spPr>
           <a:xfrm>
-            <a:off x="4645025" y="2174875"/>
-            <a:ext cx="4041775" cy="3951288"/>
+            <a:off x="9290051" y="4349750"/>
+            <a:ext cx="8083550" cy="7902576"/>
           </a:xfrm>
         </p:spPr>
         <p:txBody>
           <a:bodyPr/>
           <a:lstStyle>
             <a:lvl1pPr>
-              <a:defRPr sz="2400"/>
+              <a:defRPr sz="4800"/>
             </a:lvl1pPr>
             <a:lvl2pPr>
-              <a:defRPr sz="2000"/>
+              <a:defRPr sz="4000"/>
             </a:lvl2pPr>
             <a:lvl3pPr>
-              <a:defRPr sz="1800"/>
+              <a:defRPr sz="3600"/>
             </a:lvl3pPr>
             <a:lvl4pPr>
-              <a:defRPr sz="1600"/>
+              <a:defRPr sz="3200"/>
             </a:lvl4pPr>
             <a:lvl5pPr>
-              <a:defRPr sz="1600"/>
+              <a:defRPr sz="3200"/>
             </a:lvl5pPr>
             <a:lvl6pPr>
-              <a:defRPr sz="1600"/>
+              <a:defRPr sz="3200"/>
             </a:lvl6pPr>
             <a:lvl7pPr>
-              <a:defRPr sz="1600"/>
+              <a:defRPr sz="3200"/>
             </a:lvl7pPr>
             <a:lvl8pPr>
-              <a:defRPr sz="1600"/>
+              <a:defRPr sz="3200"/>
             </a:lvl8pPr>
             <a:lvl9pPr>
-              <a:defRPr sz="1600"/>
+              <a:defRPr sz="3200"/>
             </a:lvl9pPr>
           </a:lstStyle>
           <a:p>
@@ -2224,7 +2241,7 @@
           <a:lstStyle/>
           <a:p>
             <a:fld id="{20A093E4-35A8-7145-82D1-B15BB408A48F}" type="datetimeFigureOut">
-              <a:t>12/3/16</a:t>
+              <a:t>3/14/21</a:t>
             </a:fld>
             <a:endParaRPr lang="en-US"/>
           </a:p>
@@ -2340,7 +2357,7 @@
           <a:lstStyle/>
           <a:p>
             <a:fld id="{20A093E4-35A8-7145-82D1-B15BB408A48F}" type="datetimeFigureOut">
-              <a:t>12/3/16</a:t>
+              <a:t>3/14/21</a:t>
             </a:fld>
             <a:endParaRPr lang="en-US"/>
           </a:p>
@@ -2433,7 +2450,7 @@
           <a:lstStyle/>
           <a:p>
             <a:fld id="{20A093E4-35A8-7145-82D1-B15BB408A48F}" type="datetimeFigureOut">
-              <a:t>12/3/16</a:t>
+              <a:t>3/14/21</a:t>
             </a:fld>
             <a:endParaRPr lang="en-US"/>
           </a:p>
@@ -2522,15 +2539,15 @@
         </p:nvSpPr>
         <p:spPr>
           <a:xfrm>
-            <a:off x="457200" y="273050"/>
-            <a:ext cx="3008313" cy="1162050"/>
+            <a:off x="914401" y="546100"/>
+            <a:ext cx="6016626" cy="2324100"/>
           </a:xfrm>
         </p:spPr>
         <p:txBody>
           <a:bodyPr anchor="b"/>
           <a:lstStyle>
             <a:lvl1pPr algn="l">
-              <a:defRPr sz="2000" b="1"/>
+              <a:defRPr sz="4000" b="1"/>
             </a:lvl1pPr>
           </a:lstStyle>
           <a:p>
@@ -2554,39 +2571,39 @@
         </p:nvSpPr>
         <p:spPr>
           <a:xfrm>
-            <a:off x="3575050" y="273050"/>
-            <a:ext cx="5111750" cy="5853113"/>
+            <a:off x="7150100" y="546101"/>
+            <a:ext cx="10223500" cy="11706226"/>
           </a:xfrm>
         </p:spPr>
         <p:txBody>
           <a:bodyPr/>
           <a:lstStyle>
             <a:lvl1pPr>
-              <a:defRPr sz="3200"/>
+              <a:defRPr sz="6400"/>
             </a:lvl1pPr>
             <a:lvl2pPr>
-              <a:defRPr sz="2800"/>
+              <a:defRPr sz="5600"/>
             </a:lvl2pPr>
             <a:lvl3pPr>
-              <a:defRPr sz="2400"/>
+              <a:defRPr sz="4800"/>
             </a:lvl3pPr>
             <a:lvl4pPr>
-              <a:defRPr sz="2000"/>
+              <a:defRPr sz="4000"/>
             </a:lvl4pPr>
             <a:lvl5pPr>
-              <a:defRPr sz="2000"/>
+              <a:defRPr sz="4000"/>
             </a:lvl5pPr>
             <a:lvl6pPr>
-              <a:defRPr sz="2000"/>
+              <a:defRPr sz="4000"/>
             </a:lvl6pPr>
             <a:lvl7pPr>
-              <a:defRPr sz="2000"/>
+              <a:defRPr sz="4000"/>
             </a:lvl7pPr>
             <a:lvl8pPr>
-              <a:defRPr sz="2000"/>
+              <a:defRPr sz="4000"/>
             </a:lvl8pPr>
             <a:lvl9pPr>
-              <a:defRPr sz="2000"/>
+              <a:defRPr sz="4000"/>
             </a:lvl9pPr>
           </a:lstStyle>
           <a:p>
@@ -2639,8 +2656,8 @@
         </p:nvSpPr>
         <p:spPr>
           <a:xfrm>
-            <a:off x="457200" y="1435100"/>
-            <a:ext cx="3008313" cy="4691063"/>
+            <a:off x="914401" y="2870201"/>
+            <a:ext cx="6016626" cy="9382126"/>
           </a:xfrm>
         </p:spPr>
         <p:txBody>
@@ -2648,39 +2665,39 @@
           <a:lstStyle>
             <a:lvl1pPr marL="0" indent="0">
               <a:buNone/>
-              <a:defRPr sz="1400"/>
+              <a:defRPr sz="2800"/>
             </a:lvl1pPr>
-            <a:lvl2pPr marL="457200" indent="0">
-              <a:buNone/>
-              <a:defRPr sz="1200"/>
+            <a:lvl2pPr marL="914400" indent="0">
+              <a:buNone/>
+              <a:defRPr sz="2400"/>
             </a:lvl2pPr>
-            <a:lvl3pPr marL="914400" indent="0">
-              <a:buNone/>
-              <a:defRPr sz="1000"/>
+            <a:lvl3pPr marL="1828800" indent="0">
+              <a:buNone/>
+              <a:defRPr sz="2000"/>
             </a:lvl3pPr>
-            <a:lvl4pPr marL="1371600" indent="0">
-              <a:buNone/>
-              <a:defRPr sz="900"/>
+            <a:lvl4pPr marL="2743200" indent="0">
+              <a:buNone/>
+              <a:defRPr sz="1800"/>
             </a:lvl4pPr>
-            <a:lvl5pPr marL="1828800" indent="0">
-              <a:buNone/>
-              <a:defRPr sz="900"/>
+            <a:lvl5pPr marL="3657600" indent="0">
+              <a:buNone/>
+              <a:defRPr sz="1800"/>
             </a:lvl5pPr>
-            <a:lvl6pPr marL="2286000" indent="0">
-              <a:buNone/>
-              <a:defRPr sz="900"/>
+            <a:lvl6pPr marL="4572000" indent="0">
+              <a:buNone/>
+              <a:defRPr sz="1800"/>
             </a:lvl6pPr>
-            <a:lvl7pPr marL="2743200" indent="0">
-              <a:buNone/>
-              <a:defRPr sz="900"/>
+            <a:lvl7pPr marL="5486400" indent="0">
+              <a:buNone/>
+              <a:defRPr sz="1800"/>
             </a:lvl7pPr>
-            <a:lvl8pPr marL="3200400" indent="0">
-              <a:buNone/>
-              <a:defRPr sz="900"/>
+            <a:lvl8pPr marL="6400800" indent="0">
+              <a:buNone/>
+              <a:defRPr sz="1800"/>
             </a:lvl8pPr>
-            <a:lvl9pPr marL="3657600" indent="0">
-              <a:buNone/>
-              <a:defRPr sz="900"/>
+            <a:lvl9pPr marL="7315200" indent="0">
+              <a:buNone/>
+              <a:defRPr sz="1800"/>
             </a:lvl9pPr>
           </a:lstStyle>
           <a:p>
@@ -2708,7 +2725,7 @@
           <a:lstStyle/>
           <a:p>
             <a:fld id="{20A093E4-35A8-7145-82D1-B15BB408A48F}" type="datetimeFigureOut">
-              <a:t>12/3/16</a:t>
+              <a:t>3/14/21</a:t>
             </a:fld>
             <a:endParaRPr lang="en-US"/>
           </a:p>
@@ -2797,15 +2814,15 @@
         </p:nvSpPr>
         <p:spPr>
           <a:xfrm>
-            <a:off x="1792288" y="4800600"/>
-            <a:ext cx="5486400" cy="566738"/>
+            <a:off x="3584576" y="9601200"/>
+            <a:ext cx="10972800" cy="1133476"/>
           </a:xfrm>
         </p:spPr>
         <p:txBody>
           <a:bodyPr anchor="b"/>
           <a:lstStyle>
             <a:lvl1pPr algn="l">
-              <a:defRPr sz="2000" b="1"/>
+              <a:defRPr sz="4000" b="1"/>
             </a:lvl1pPr>
           </a:lstStyle>
           <a:p>
@@ -2829,8 +2846,8 @@
         </p:nvSpPr>
         <p:spPr>
           <a:xfrm>
-            <a:off x="1792288" y="612775"/>
-            <a:ext cx="5486400" cy="4114800"/>
+            <a:off x="3584576" y="1225550"/>
+            <a:ext cx="10972800" cy="8229600"/>
           </a:xfrm>
         </p:spPr>
         <p:txBody>
@@ -2838,39 +2855,39 @@
           <a:lstStyle>
             <a:lvl1pPr marL="0" indent="0">
               <a:buNone/>
-              <a:defRPr sz="3200"/>
+              <a:defRPr sz="6400"/>
             </a:lvl1pPr>
-            <a:lvl2pPr marL="457200" indent="0">
-              <a:buNone/>
-              <a:defRPr sz="2800"/>
+            <a:lvl2pPr marL="914400" indent="0">
+              <a:buNone/>
+              <a:defRPr sz="5600"/>
             </a:lvl2pPr>
-            <a:lvl3pPr marL="914400" indent="0">
-              <a:buNone/>
-              <a:defRPr sz="2400"/>
+            <a:lvl3pPr marL="1828800" indent="0">
+              <a:buNone/>
+              <a:defRPr sz="4800"/>
             </a:lvl3pPr>
-            <a:lvl4pPr marL="1371600" indent="0">
-              <a:buNone/>
-              <a:defRPr sz="2000"/>
+            <a:lvl4pPr marL="2743200" indent="0">
+              <a:buNone/>
+              <a:defRPr sz="4000"/>
             </a:lvl4pPr>
-            <a:lvl5pPr marL="1828800" indent="0">
-              <a:buNone/>
-              <a:defRPr sz="2000"/>
+            <a:lvl5pPr marL="3657600" indent="0">
+              <a:buNone/>
+              <a:defRPr sz="4000"/>
             </a:lvl5pPr>
-            <a:lvl6pPr marL="2286000" indent="0">
-              <a:buNone/>
-              <a:defRPr sz="2000"/>
+            <a:lvl6pPr marL="4572000" indent="0">
+              <a:buNone/>
+              <a:defRPr sz="4000"/>
             </a:lvl6pPr>
-            <a:lvl7pPr marL="2743200" indent="0">
-              <a:buNone/>
-              <a:defRPr sz="2000"/>
+            <a:lvl7pPr marL="5486400" indent="0">
+              <a:buNone/>
+              <a:defRPr sz="4000"/>
             </a:lvl7pPr>
-            <a:lvl8pPr marL="3200400" indent="0">
-              <a:buNone/>
-              <a:defRPr sz="2000"/>
+            <a:lvl8pPr marL="6400800" indent="0">
+              <a:buNone/>
+              <a:defRPr sz="4000"/>
             </a:lvl8pPr>
-            <a:lvl9pPr marL="3657600" indent="0">
-              <a:buNone/>
-              <a:defRPr sz="2000"/>
+            <a:lvl9pPr marL="7315200" indent="0">
+              <a:buNone/>
+              <a:defRPr sz="4000"/>
             </a:lvl9pPr>
           </a:lstStyle>
           <a:p>
@@ -2890,8 +2907,8 @@
         </p:nvSpPr>
         <p:spPr>
           <a:xfrm>
-            <a:off x="1792288" y="5367338"/>
-            <a:ext cx="5486400" cy="804862"/>
+            <a:off x="3584576" y="10734676"/>
+            <a:ext cx="10972800" cy="1609724"/>
           </a:xfrm>
         </p:spPr>
         <p:txBody>
@@ -2899,39 +2916,39 @@
           <a:lstStyle>
             <a:lvl1pPr marL="0" indent="0">
               <a:buNone/>
-              <a:defRPr sz="1400"/>
+              <a:defRPr sz="2800"/>
             </a:lvl1pPr>
-            <a:lvl2pPr marL="457200" indent="0">
-              <a:buNone/>
-              <a:defRPr sz="1200"/>
+            <a:lvl2pPr marL="914400" indent="0">
+              <a:buNone/>
+              <a:defRPr sz="2400"/>
             </a:lvl2pPr>
-            <a:lvl3pPr marL="914400" indent="0">
-              <a:buNone/>
-              <a:defRPr sz="1000"/>
+            <a:lvl3pPr marL="1828800" indent="0">
+              <a:buNone/>
+              <a:defRPr sz="2000"/>
             </a:lvl3pPr>
-            <a:lvl4pPr marL="1371600" indent="0">
-              <a:buNone/>
-              <a:defRPr sz="900"/>
+            <a:lvl4pPr marL="2743200" indent="0">
+              <a:buNone/>
+              <a:defRPr sz="1800"/>
             </a:lvl4pPr>
-            <a:lvl5pPr marL="1828800" indent="0">
-              <a:buNone/>
-              <a:defRPr sz="900"/>
+            <a:lvl5pPr marL="3657600" indent="0">
+              <a:buNone/>
+              <a:defRPr sz="1800"/>
             </a:lvl5pPr>
-            <a:lvl6pPr marL="2286000" indent="0">
-              <a:buNone/>
-              <a:defRPr sz="900"/>
+            <a:lvl6pPr marL="4572000" indent="0">
+              <a:buNone/>
+              <a:defRPr sz="1800"/>
             </a:lvl6pPr>
-            <a:lvl7pPr marL="2743200" indent="0">
-              <a:buNone/>
-              <a:defRPr sz="900"/>
+            <a:lvl7pPr marL="5486400" indent="0">
+              <a:buNone/>
+              <a:defRPr sz="1800"/>
             </a:lvl7pPr>
-            <a:lvl8pPr marL="3200400" indent="0">
-              <a:buNone/>
-              <a:defRPr sz="900"/>
+            <a:lvl8pPr marL="6400800" indent="0">
+              <a:buNone/>
+              <a:defRPr sz="1800"/>
             </a:lvl8pPr>
-            <a:lvl9pPr marL="3657600" indent="0">
-              <a:buNone/>
-              <a:defRPr sz="900"/>
+            <a:lvl9pPr marL="7315200" indent="0">
+              <a:buNone/>
+              <a:defRPr sz="1800"/>
             </a:lvl9pPr>
           </a:lstStyle>
           <a:p>
@@ -2959,7 +2976,7 @@
           <a:lstStyle/>
           <a:p>
             <a:fld id="{20A093E4-35A8-7145-82D1-B15BB408A48F}" type="datetimeFigureOut">
-              <a:t>12/3/16</a:t>
+              <a:t>3/14/21</a:t>
             </a:fld>
             <a:endParaRPr lang="en-US"/>
           </a:p>
@@ -3053,8 +3070,8 @@
         </p:nvSpPr>
         <p:spPr>
           <a:xfrm>
-            <a:off x="457200" y="274638"/>
-            <a:ext cx="8229600" cy="1143000"/>
+            <a:off x="914400" y="549276"/>
+            <a:ext cx="16459200" cy="2286000"/>
           </a:xfrm>
           <a:prstGeom prst="rect">
             <a:avLst/>
@@ -3086,8 +3103,8 @@
         </p:nvSpPr>
         <p:spPr>
           <a:xfrm>
-            <a:off x="457200" y="1600200"/>
-            <a:ext cx="8229600" cy="4525963"/>
+            <a:off x="914400" y="3200401"/>
+            <a:ext cx="16459200" cy="9051926"/>
           </a:xfrm>
           <a:prstGeom prst="rect">
             <a:avLst/>
@@ -3148,8 +3165,8 @@
         </p:nvSpPr>
         <p:spPr>
           <a:xfrm>
-            <a:off x="457200" y="6356350"/>
-            <a:ext cx="2133600" cy="365125"/>
+            <a:off x="914400" y="12712701"/>
+            <a:ext cx="4267200" cy="730250"/>
           </a:xfrm>
           <a:prstGeom prst="rect">
             <a:avLst/>
@@ -3159,7 +3176,7 @@
           <a:bodyPr vert="horz" lIns="91440" tIns="45720" rIns="91440" bIns="45720" rtlCol="0" anchor="ctr"/>
           <a:lstStyle>
             <a:lvl1pPr algn="l">
-              <a:defRPr sz="1200">
+              <a:defRPr sz="2400">
                 <a:solidFill>
                   <a:schemeClr val="tx1">
                     <a:tint val="75000"/>
@@ -3170,7 +3187,7 @@
           </a:lstStyle>
           <a:p>
             <a:fld id="{20A093E4-35A8-7145-82D1-B15BB408A48F}" type="datetimeFigureOut">
-              <a:t>12/3/16</a:t>
+              <a:t>3/14/21</a:t>
             </a:fld>
             <a:endParaRPr lang="en-US"/>
           </a:p>
@@ -3188,8 +3205,8 @@
         </p:nvSpPr>
         <p:spPr>
           <a:xfrm>
-            <a:off x="3124200" y="6356350"/>
-            <a:ext cx="2895600" cy="365125"/>
+            <a:off x="6248400" y="12712701"/>
+            <a:ext cx="5791200" cy="730250"/>
           </a:xfrm>
           <a:prstGeom prst="rect">
             <a:avLst/>
@@ -3199,7 +3216,7 @@
           <a:bodyPr vert="horz" lIns="91440" tIns="45720" rIns="91440" bIns="45720" rtlCol="0" anchor="ctr"/>
           <a:lstStyle>
             <a:lvl1pPr algn="ctr">
-              <a:defRPr sz="1200">
+              <a:defRPr sz="2400">
                 <a:solidFill>
                   <a:schemeClr val="tx1">
                     <a:tint val="75000"/>
@@ -3225,8 +3242,8 @@
         </p:nvSpPr>
         <p:spPr>
           <a:xfrm>
-            <a:off x="6553200" y="6356350"/>
-            <a:ext cx="2133600" cy="365125"/>
+            <a:off x="13106400" y="12712701"/>
+            <a:ext cx="4267200" cy="730250"/>
           </a:xfrm>
           <a:prstGeom prst="rect">
             <a:avLst/>
@@ -3236,7 +3253,7 @@
           <a:bodyPr vert="horz" lIns="91440" tIns="45720" rIns="91440" bIns="45720" rtlCol="0" anchor="ctr"/>
           <a:lstStyle>
             <a:lvl1pPr algn="r">
-              <a:defRPr sz="1200">
+              <a:defRPr sz="2400">
                 <a:solidFill>
                   <a:schemeClr val="tx1">
                     <a:tint val="75000"/>
@@ -3276,12 +3293,12 @@
   </p:sldLayoutIdLst>
   <p:txStyles>
     <p:titleStyle>
-      <a:lvl1pPr algn="ctr" defTabSz="457200" rtl="0" eaLnBrk="1" latinLnBrk="0" hangingPunct="1">
+      <a:lvl1pPr algn="ctr" defTabSz="914400" rtl="0" eaLnBrk="1" latinLnBrk="0" hangingPunct="1">
         <a:spcBef>
           <a:spcPct val="0"/>
         </a:spcBef>
         <a:buNone/>
-        <a:defRPr sz="4400" kern="1200">
+        <a:defRPr sz="8800" kern="1200">
           <a:solidFill>
             <a:schemeClr val="tx1"/>
           </a:solidFill>
@@ -3292,13 +3309,13 @@
       </a:lvl1pPr>
     </p:titleStyle>
     <p:bodyStyle>
-      <a:lvl1pPr marL="342900" indent="-342900" algn="l" defTabSz="457200" rtl="0" eaLnBrk="1" latinLnBrk="0" hangingPunct="1">
+      <a:lvl1pPr marL="685800" indent="-685800" algn="l" defTabSz="914400" rtl="0" eaLnBrk="1" latinLnBrk="0" hangingPunct="1">
         <a:spcBef>
           <a:spcPct val="20000"/>
         </a:spcBef>
         <a:buFont typeface="Arial"/>
         <a:buChar char="•"/>
-        <a:defRPr sz="3200" kern="1200">
+        <a:defRPr sz="6400" kern="1200">
           <a:solidFill>
             <a:schemeClr val="tx1"/>
           </a:solidFill>
@@ -3307,13 +3324,13 @@
           <a:cs typeface="+mn-cs"/>
         </a:defRPr>
       </a:lvl1pPr>
-      <a:lvl2pPr marL="742950" indent="-285750" algn="l" defTabSz="457200" rtl="0" eaLnBrk="1" latinLnBrk="0" hangingPunct="1">
+      <a:lvl2pPr marL="1485900" indent="-571500" algn="l" defTabSz="914400" rtl="0" eaLnBrk="1" latinLnBrk="0" hangingPunct="1">
         <a:spcBef>
           <a:spcPct val="20000"/>
         </a:spcBef>
         <a:buFont typeface="Arial"/>
         <a:buChar char="–"/>
-        <a:defRPr sz="2800" kern="1200">
+        <a:defRPr sz="5600" kern="1200">
           <a:solidFill>
             <a:schemeClr val="tx1"/>
           </a:solidFill>
@@ -3322,13 +3339,13 @@
           <a:cs typeface="+mn-cs"/>
         </a:defRPr>
       </a:lvl2pPr>
-      <a:lvl3pPr marL="1143000" indent="-228600" algn="l" defTabSz="457200" rtl="0" eaLnBrk="1" latinLnBrk="0" hangingPunct="1">
+      <a:lvl3pPr marL="2286000" indent="-457200" algn="l" defTabSz="914400" rtl="0" eaLnBrk="1" latinLnBrk="0" hangingPunct="1">
         <a:spcBef>
           <a:spcPct val="20000"/>
         </a:spcBef>
         <a:buFont typeface="Arial"/>
         <a:buChar char="•"/>
-        <a:defRPr sz="2400" kern="1200">
+        <a:defRPr sz="4800" kern="1200">
           <a:solidFill>
             <a:schemeClr val="tx1"/>
           </a:solidFill>
@@ -3337,13 +3354,13 @@
           <a:cs typeface="+mn-cs"/>
         </a:defRPr>
       </a:lvl3pPr>
-      <a:lvl4pPr marL="1600200" indent="-228600" algn="l" defTabSz="457200" rtl="0" eaLnBrk="1" latinLnBrk="0" hangingPunct="1">
+      <a:lvl4pPr marL="3200400" indent="-457200" algn="l" defTabSz="914400" rtl="0" eaLnBrk="1" latinLnBrk="0" hangingPunct="1">
         <a:spcBef>
           <a:spcPct val="20000"/>
         </a:spcBef>
         <a:buFont typeface="Arial"/>
         <a:buChar char="–"/>
-        <a:defRPr sz="2000" kern="1200">
+        <a:defRPr sz="4000" kern="1200">
           <a:solidFill>
             <a:schemeClr val="tx1"/>
           </a:solidFill>
@@ -3352,13 +3369,13 @@
           <a:cs typeface="+mn-cs"/>
         </a:defRPr>
       </a:lvl4pPr>
-      <a:lvl5pPr marL="2057400" indent="-228600" algn="l" defTabSz="457200" rtl="0" eaLnBrk="1" latinLnBrk="0" hangingPunct="1">
+      <a:lvl5pPr marL="4114800" indent="-457200" algn="l" defTabSz="914400" rtl="0" eaLnBrk="1" latinLnBrk="0" hangingPunct="1">
         <a:spcBef>
           <a:spcPct val="20000"/>
         </a:spcBef>
         <a:buFont typeface="Arial"/>
         <a:buChar char="»"/>
-        <a:defRPr sz="2000" kern="1200">
+        <a:defRPr sz="4000" kern="1200">
           <a:solidFill>
             <a:schemeClr val="tx1"/>
           </a:solidFill>
@@ -3367,13 +3384,13 @@
           <a:cs typeface="+mn-cs"/>
         </a:defRPr>
       </a:lvl5pPr>
-      <a:lvl6pPr marL="2514600" indent="-228600" algn="l" defTabSz="457200" rtl="0" eaLnBrk="1" latinLnBrk="0" hangingPunct="1">
+      <a:lvl6pPr marL="5029200" indent="-457200" algn="l" defTabSz="914400" rtl="0" eaLnBrk="1" latinLnBrk="0" hangingPunct="1">
         <a:spcBef>
           <a:spcPct val="20000"/>
         </a:spcBef>
         <a:buFont typeface="Arial"/>
         <a:buChar char="•"/>
-        <a:defRPr sz="2000" kern="1200">
+        <a:defRPr sz="4000" kern="1200">
           <a:solidFill>
             <a:schemeClr val="tx1"/>
           </a:solidFill>
@@ -3382,13 +3399,13 @@
           <a:cs typeface="+mn-cs"/>
         </a:defRPr>
       </a:lvl6pPr>
-      <a:lvl7pPr marL="2971800" indent="-228600" algn="l" defTabSz="457200" rtl="0" eaLnBrk="1" latinLnBrk="0" hangingPunct="1">
+      <a:lvl7pPr marL="5943600" indent="-457200" algn="l" defTabSz="914400" rtl="0" eaLnBrk="1" latinLnBrk="0" hangingPunct="1">
         <a:spcBef>
           <a:spcPct val="20000"/>
         </a:spcBef>
         <a:buFont typeface="Arial"/>
         <a:buChar char="•"/>
-        <a:defRPr sz="2000" kern="1200">
+        <a:defRPr sz="4000" kern="1200">
           <a:solidFill>
             <a:schemeClr val="tx1"/>
           </a:solidFill>
@@ -3397,13 +3414,13 @@
           <a:cs typeface="+mn-cs"/>
         </a:defRPr>
       </a:lvl7pPr>
-      <a:lvl8pPr marL="3429000" indent="-228600" algn="l" defTabSz="457200" rtl="0" eaLnBrk="1" latinLnBrk="0" hangingPunct="1">
+      <a:lvl8pPr marL="6858000" indent="-457200" algn="l" defTabSz="914400" rtl="0" eaLnBrk="1" latinLnBrk="0" hangingPunct="1">
         <a:spcBef>
           <a:spcPct val="20000"/>
         </a:spcBef>
         <a:buFont typeface="Arial"/>
         <a:buChar char="•"/>
-        <a:defRPr sz="2000" kern="1200">
+        <a:defRPr sz="4000" kern="1200">
           <a:solidFill>
             <a:schemeClr val="tx1"/>
           </a:solidFill>
@@ -3412,13 +3429,13 @@
           <a:cs typeface="+mn-cs"/>
         </a:defRPr>
       </a:lvl8pPr>
-      <a:lvl9pPr marL="3886200" indent="-228600" algn="l" defTabSz="457200" rtl="0" eaLnBrk="1" latinLnBrk="0" hangingPunct="1">
+      <a:lvl9pPr marL="7772400" indent="-457200" algn="l" defTabSz="914400" rtl="0" eaLnBrk="1" latinLnBrk="0" hangingPunct="1">
         <a:spcBef>
           <a:spcPct val="20000"/>
         </a:spcBef>
         <a:buFont typeface="Arial"/>
         <a:buChar char="•"/>
-        <a:defRPr sz="2000" kern="1200">
+        <a:defRPr sz="4000" kern="1200">
           <a:solidFill>
             <a:schemeClr val="tx1"/>
           </a:solidFill>
@@ -3432,8 +3449,8 @@
       <a:defPPr>
         <a:defRPr lang="en-US"/>
       </a:defPPr>
-      <a:lvl1pPr marL="0" algn="l" defTabSz="457200" rtl="0" eaLnBrk="1" latinLnBrk="0" hangingPunct="1">
-        <a:defRPr sz="1800" kern="1200">
+      <a:lvl1pPr marL="0" algn="l" defTabSz="914400" rtl="0" eaLnBrk="1" latinLnBrk="0" hangingPunct="1">
+        <a:defRPr sz="3600" kern="1200">
           <a:solidFill>
             <a:schemeClr val="tx1"/>
           </a:solidFill>
@@ -3442,8 +3459,8 @@
           <a:cs typeface="+mn-cs"/>
         </a:defRPr>
       </a:lvl1pPr>
-      <a:lvl2pPr marL="457200" algn="l" defTabSz="457200" rtl="0" eaLnBrk="1" latinLnBrk="0" hangingPunct="1">
-        <a:defRPr sz="1800" kern="1200">
+      <a:lvl2pPr marL="914400" algn="l" defTabSz="914400" rtl="0" eaLnBrk="1" latinLnBrk="0" hangingPunct="1">
+        <a:defRPr sz="3600" kern="1200">
           <a:solidFill>
             <a:schemeClr val="tx1"/>
           </a:solidFill>
@@ -3452,8 +3469,8 @@
           <a:cs typeface="+mn-cs"/>
         </a:defRPr>
       </a:lvl2pPr>
-      <a:lvl3pPr marL="914400" algn="l" defTabSz="457200" rtl="0" eaLnBrk="1" latinLnBrk="0" hangingPunct="1">
-        <a:defRPr sz="1800" kern="1200">
+      <a:lvl3pPr marL="1828800" algn="l" defTabSz="914400" rtl="0" eaLnBrk="1" latinLnBrk="0" hangingPunct="1">
+        <a:defRPr sz="3600" kern="1200">
           <a:solidFill>
             <a:schemeClr val="tx1"/>
           </a:solidFill>
@@ -3462,8 +3479,8 @@
           <a:cs typeface="+mn-cs"/>
         </a:defRPr>
       </a:lvl3pPr>
-      <a:lvl4pPr marL="1371600" algn="l" defTabSz="457200" rtl="0" eaLnBrk="1" latinLnBrk="0" hangingPunct="1">
-        <a:defRPr sz="1800" kern="1200">
+      <a:lvl4pPr marL="2743200" algn="l" defTabSz="914400" rtl="0" eaLnBrk="1" latinLnBrk="0" hangingPunct="1">
+        <a:defRPr sz="3600" kern="1200">
           <a:solidFill>
             <a:schemeClr val="tx1"/>
           </a:solidFill>
@@ -3472,8 +3489,8 @@
           <a:cs typeface="+mn-cs"/>
         </a:defRPr>
       </a:lvl4pPr>
-      <a:lvl5pPr marL="1828800" algn="l" defTabSz="457200" rtl="0" eaLnBrk="1" latinLnBrk="0" hangingPunct="1">
-        <a:defRPr sz="1800" kern="1200">
+      <a:lvl5pPr marL="3657600" algn="l" defTabSz="914400" rtl="0" eaLnBrk="1" latinLnBrk="0" hangingPunct="1">
+        <a:defRPr sz="3600" kern="1200">
           <a:solidFill>
             <a:schemeClr val="tx1"/>
           </a:solidFill>
@@ -3482,8 +3499,8 @@
           <a:cs typeface="+mn-cs"/>
         </a:defRPr>
       </a:lvl5pPr>
-      <a:lvl6pPr marL="2286000" algn="l" defTabSz="457200" rtl="0" eaLnBrk="1" latinLnBrk="0" hangingPunct="1">
-        <a:defRPr sz="1800" kern="1200">
+      <a:lvl6pPr marL="4572000" algn="l" defTabSz="914400" rtl="0" eaLnBrk="1" latinLnBrk="0" hangingPunct="1">
+        <a:defRPr sz="3600" kern="1200">
           <a:solidFill>
             <a:schemeClr val="tx1"/>
           </a:solidFill>
@@ -3492,8 +3509,8 @@
           <a:cs typeface="+mn-cs"/>
         </a:defRPr>
       </a:lvl6pPr>
-      <a:lvl7pPr marL="2743200" algn="l" defTabSz="457200" rtl="0" eaLnBrk="1" latinLnBrk="0" hangingPunct="1">
-        <a:defRPr sz="1800" kern="1200">
+      <a:lvl7pPr marL="5486400" algn="l" defTabSz="914400" rtl="0" eaLnBrk="1" latinLnBrk="0" hangingPunct="1">
+        <a:defRPr sz="3600" kern="1200">
           <a:solidFill>
             <a:schemeClr val="tx1"/>
           </a:solidFill>
@@ -3502,8 +3519,8 @@
           <a:cs typeface="+mn-cs"/>
         </a:defRPr>
       </a:lvl7pPr>
-      <a:lvl8pPr marL="3200400" algn="l" defTabSz="457200" rtl="0" eaLnBrk="1" latinLnBrk="0" hangingPunct="1">
-        <a:defRPr sz="1800" kern="1200">
+      <a:lvl8pPr marL="6400800" algn="l" defTabSz="914400" rtl="0" eaLnBrk="1" latinLnBrk="0" hangingPunct="1">
+        <a:defRPr sz="3600" kern="1200">
           <a:solidFill>
             <a:schemeClr val="tx1"/>
           </a:solidFill>
@@ -3512,8 +3529,8 @@
           <a:cs typeface="+mn-cs"/>
         </a:defRPr>
       </a:lvl8pPr>
-      <a:lvl9pPr marL="3657600" algn="l" defTabSz="457200" rtl="0" eaLnBrk="1" latinLnBrk="0" hangingPunct="1">
-        <a:defRPr sz="1800" kern="1200">
+      <a:lvl9pPr marL="7315200" algn="l" defTabSz="914400" rtl="0" eaLnBrk="1" latinLnBrk="0" hangingPunct="1">
+        <a:defRPr sz="3600" kern="1200">
           <a:solidFill>
             <a:schemeClr val="tx1"/>
           </a:solidFill>
@@ -3552,8 +3569,8 @@
         </p:nvCxnSpPr>
         <p:spPr>
           <a:xfrm>
-            <a:off x="596900" y="3076156"/>
-            <a:ext cx="6799323" cy="0"/>
+            <a:off x="1193801" y="6152312"/>
+            <a:ext cx="13598646" cy="0"/>
           </a:xfrm>
           <a:prstGeom prst="line">
             <a:avLst/>
@@ -3582,8 +3599,8 @@
         </p:nvCxnSpPr>
         <p:spPr>
           <a:xfrm>
-            <a:off x="1895836" y="2173101"/>
-            <a:ext cx="0" cy="726287"/>
+            <a:off x="3791672" y="4346203"/>
+            <a:ext cx="0" cy="1452574"/>
           </a:xfrm>
           <a:prstGeom prst="line">
             <a:avLst/>
@@ -3617,8 +3634,8 @@
         </p:nvCxnSpPr>
         <p:spPr>
           <a:xfrm>
-            <a:off x="3270836" y="2173101"/>
-            <a:ext cx="0" cy="726287"/>
+            <a:off x="6541672" y="4346203"/>
+            <a:ext cx="0" cy="1452574"/>
           </a:xfrm>
           <a:prstGeom prst="line">
             <a:avLst/>
@@ -3652,8 +3669,8 @@
         </p:nvCxnSpPr>
         <p:spPr>
           <a:xfrm>
-            <a:off x="4673600" y="2173101"/>
-            <a:ext cx="0" cy="726287"/>
+            <a:off x="9347200" y="4346203"/>
+            <a:ext cx="0" cy="1452574"/>
           </a:xfrm>
           <a:prstGeom prst="line">
             <a:avLst/>
@@ -3687,8 +3704,8 @@
         </p:nvCxnSpPr>
         <p:spPr>
           <a:xfrm>
-            <a:off x="6019341" y="2173101"/>
-            <a:ext cx="0" cy="726287"/>
+            <a:off x="12038682" y="4346203"/>
+            <a:ext cx="0" cy="1452574"/>
           </a:xfrm>
           <a:prstGeom prst="line">
             <a:avLst/>
@@ -3722,8 +3739,8 @@
         </p:nvCxnSpPr>
         <p:spPr>
           <a:xfrm>
-            <a:off x="7396223" y="2173101"/>
-            <a:ext cx="0" cy="726287"/>
+            <a:off x="14792446" y="4346203"/>
+            <a:ext cx="0" cy="1452574"/>
           </a:xfrm>
           <a:prstGeom prst="line">
             <a:avLst/>
@@ -3757,8 +3774,8 @@
         </p:nvSpPr>
         <p:spPr>
           <a:xfrm>
-            <a:off x="1007021" y="2088014"/>
-            <a:ext cx="8534400" cy="707886"/>
+            <a:off x="2014042" y="4176028"/>
+            <a:ext cx="17068800" cy="1323439"/>
           </a:xfrm>
           <a:prstGeom prst="rect">
             <a:avLst/>
@@ -3772,91 +3789,91 @@
           <a:lstStyle/>
           <a:p>
             <a:r>
-              <a:rPr lang="en-US" sz="4000" i="1">
+              <a:rPr lang="en-US" sz="8000" i="1">
                 <a:latin typeface="Helvetica"/>
                 <a:cs typeface="Helvetica"/>
               </a:rPr>
               <a:t>w</a:t>
             </a:r>
             <a:r>
-              <a:rPr lang="en-US" sz="4000" i="1" baseline="-25000">
+              <a:rPr lang="en-US" sz="8000" i="1" baseline="-25000">
                 <a:latin typeface="Helvetica"/>
                 <a:cs typeface="Helvetica"/>
               </a:rPr>
               <a:t>1</a:t>
             </a:r>
             <a:r>
-              <a:rPr lang="en-US" sz="4000" i="1">
+              <a:rPr lang="en-US" sz="8000" i="1">
                 <a:latin typeface="Helvetica"/>
                 <a:cs typeface="Helvetica"/>
               </a:rPr>
               <a:t>		w</a:t>
             </a:r>
             <a:r>
-              <a:rPr lang="en-US" sz="4000" i="1" baseline="-25000">
+              <a:rPr lang="en-US" sz="8000" i="1" baseline="-25000">
                 <a:latin typeface="Helvetica"/>
                 <a:cs typeface="Helvetica"/>
               </a:rPr>
               <a:t>2</a:t>
             </a:r>
             <a:r>
-              <a:rPr lang="en-US" sz="4000" i="1">
+              <a:rPr lang="en-US" sz="8000" i="1">
                 <a:latin typeface="Helvetica"/>
                 <a:cs typeface="Helvetica"/>
               </a:rPr>
               <a:t>		w</a:t>
             </a:r>
             <a:r>
-              <a:rPr lang="en-US" sz="4000" i="1" baseline="-25000">
+              <a:rPr lang="en-US" sz="8000" i="1" baseline="-25000">
                 <a:latin typeface="Helvetica"/>
                 <a:cs typeface="Helvetica"/>
               </a:rPr>
               <a:t>3</a:t>
             </a:r>
             <a:r>
-              <a:rPr lang="en-US" sz="4000" i="1">
+              <a:rPr lang="en-US" sz="8000" i="1">
                 <a:latin typeface="Helvetica"/>
                 <a:cs typeface="Helvetica"/>
               </a:rPr>
               <a:t>		w</a:t>
             </a:r>
             <a:r>
-              <a:rPr lang="en-US" sz="4000" i="1" baseline="-25000">
+              <a:rPr lang="en-US" sz="8000" i="1" baseline="-25000">
                 <a:latin typeface="Helvetica"/>
                 <a:cs typeface="Helvetica"/>
               </a:rPr>
               <a:t>4</a:t>
             </a:r>
             <a:r>
-              <a:rPr lang="en-US" sz="4000" i="1">
+              <a:rPr lang="en-US" sz="8000" i="1">
                 <a:latin typeface="Helvetica"/>
                 <a:cs typeface="Helvetica"/>
               </a:rPr>
               <a:t>		w</a:t>
             </a:r>
             <a:r>
-              <a:rPr lang="en-US" sz="4000" i="1" baseline="-25000">
+              <a:rPr lang="en-US" sz="8000" i="1" baseline="-25000">
                 <a:latin typeface="Helvetica"/>
                 <a:cs typeface="Helvetica"/>
               </a:rPr>
               <a:t>5</a:t>
             </a:r>
             <a:r>
-              <a:rPr lang="en-US" sz="4000" i="1">
+              <a:rPr lang="en-US" sz="8000" i="1">
                 <a:latin typeface="Helvetica"/>
                 <a:cs typeface="Helvetica"/>
               </a:rPr>
               <a:t>		w</a:t>
             </a:r>
             <a:r>
-              <a:rPr lang="en-US" sz="4000" i="1" baseline="-25000">
+              <a:rPr lang="en-US" sz="8000" i="1" baseline="-25000">
                 <a:latin typeface="Helvetica"/>
                 <a:cs typeface="Helvetica"/>
               </a:rPr>
               <a:t>6</a:t>
             </a:r>
             <a:r>
-              <a:rPr lang="en-US" sz="4000">
+              <a:rPr lang="en-US" sz="8000">
                 <a:latin typeface="Helvetica"/>
                 <a:cs typeface="Helvetica"/>
               </a:rPr>
@@ -3873,8 +3890,8 @@
         </p:nvCxnSpPr>
         <p:spPr>
           <a:xfrm>
-            <a:off x="584200" y="3533356"/>
-            <a:ext cx="6812023" cy="0"/>
+            <a:off x="1168401" y="7066712"/>
+            <a:ext cx="13624046" cy="0"/>
           </a:xfrm>
           <a:prstGeom prst="line">
             <a:avLst/>
@@ -3903,8 +3920,8 @@
         </p:nvSpPr>
         <p:spPr>
           <a:xfrm>
-            <a:off x="457200" y="2949156"/>
-            <a:ext cx="342900" cy="298450"/>
+            <a:off x="914400" y="5898312"/>
+            <a:ext cx="685800" cy="596900"/>
           </a:xfrm>
           <a:prstGeom prst="ellipse">
             <a:avLst/>
@@ -3932,7 +3949,7 @@
           <a:lstStyle/>
           <a:p>
             <a:pPr algn="ctr"/>
-            <a:endParaRPr lang="en-US"/>
+            <a:endParaRPr lang="en-US" sz="7200"/>
           </a:p>
         </p:txBody>
       </p:sp>
@@ -3944,8 +3961,8 @@
         </p:nvSpPr>
         <p:spPr>
           <a:xfrm>
-            <a:off x="457200" y="3387306"/>
-            <a:ext cx="342900" cy="298450"/>
+            <a:off x="914400" y="6774612"/>
+            <a:ext cx="685800" cy="596900"/>
           </a:xfrm>
           <a:prstGeom prst="ellipse">
             <a:avLst/>
@@ -3973,7 +3990,7 @@
           <a:lstStyle/>
           <a:p>
             <a:pPr algn="ctr"/>
-            <a:endParaRPr lang="en-US"/>
+            <a:endParaRPr lang="en-US" sz="7200"/>
           </a:p>
         </p:txBody>
       </p:sp>
@@ -3985,8 +4002,8 @@
         </p:nvSpPr>
         <p:spPr>
           <a:xfrm>
-            <a:off x="4992101" y="2803887"/>
-            <a:ext cx="657774" cy="583419"/>
+            <a:off x="9984202" y="5607775"/>
+            <a:ext cx="1315548" cy="1166838"/>
           </a:xfrm>
           <a:prstGeom prst="mathMultiply">
             <a:avLst/>
@@ -4014,7 +4031,7 @@
           <a:lstStyle/>
           <a:p>
             <a:pPr algn="ctr"/>
-            <a:endParaRPr lang="en-US"/>
+            <a:endParaRPr lang="en-US" sz="7200"/>
           </a:p>
         </p:txBody>
       </p:sp>
@@ -4026,8 +4043,8 @@
         </p:nvSpPr>
         <p:spPr>
           <a:xfrm>
-            <a:off x="3381050" y="3856646"/>
-            <a:ext cx="5276581" cy="707886"/>
+            <a:off x="6762101" y="7713293"/>
+            <a:ext cx="10553162" cy="1323439"/>
           </a:xfrm>
           <a:prstGeom prst="rect">
             <a:avLst/>
@@ -4041,39 +4058,39 @@
           <a:lstStyle/>
           <a:p>
             <a:r>
-              <a:rPr lang="en-US" sz="4000" i="1">
+              <a:rPr lang="en-US" sz="8000" i="1">
                 <a:latin typeface="Helvetica"/>
                 <a:cs typeface="Helvetica"/>
               </a:rPr>
               <a:t>L </a:t>
             </a:r>
             <a:r>
-              <a:rPr lang="en-US" sz="4000" i="1"/>
+              <a:rPr lang="en-US" sz="8000" i="1"/>
               <a:t>∈</a:t>
             </a:r>
             <a:r>
-              <a:rPr lang="en-US" sz="4000" i="1">
+              <a:rPr lang="en-US" sz="8000" i="1">
                 <a:latin typeface="Helvetica"/>
                 <a:cs typeface="Helvetica"/>
               </a:rPr>
               <a:t> w</a:t>
             </a:r>
             <a:r>
-              <a:rPr lang="en-US" sz="4000" i="1" baseline="-25000">
+              <a:rPr lang="en-US" sz="8000" i="1" baseline="-25000">
                 <a:latin typeface="Helvetica"/>
                 <a:cs typeface="Helvetica"/>
               </a:rPr>
               <a:t>4</a:t>
             </a:r>
             <a:r>
-              <a:rPr lang="en-US" sz="4000" i="1">
+              <a:rPr lang="en-US" sz="8000" i="1">
                 <a:latin typeface="Helvetica"/>
                 <a:cs typeface="Helvetica"/>
               </a:rPr>
               <a:t> </a:t>
             </a:r>
             <a:r>
-              <a:rPr lang="en-US" sz="4000">
+              <a:rPr lang="en-US" sz="8000">
                 <a:latin typeface="Helvetica"/>
                 <a:cs typeface="Helvetica"/>
               </a:rPr>
@@ -4090,8 +4107,8 @@
         </p:nvSpPr>
         <p:spPr>
           <a:xfrm>
-            <a:off x="584200" y="294105"/>
-            <a:ext cx="8073431" cy="1323439"/>
+            <a:off x="1168401" y="588210"/>
+            <a:ext cx="16146862" cy="2554545"/>
           </a:xfrm>
           <a:prstGeom prst="rect">
             <a:avLst/>
@@ -4106,7 +4123,7 @@
           <a:p>
             <a:pPr algn="ctr"/>
             <a:r>
-              <a:rPr lang="en-US" sz="4000" b="1">
+              <a:rPr lang="en-US" sz="8000" b="1">
                 <a:latin typeface="Helvetica"/>
                 <a:cs typeface="Helvetica"/>
               </a:rPr>
@@ -4125,13 +4142,735 @@
   <p:clrMapOvr>
     <a:masterClrMapping/>
   </p:clrMapOvr>
-  <p:timing>
-    <p:tnLst>
-      <p:par>
-        <p:cTn xmlns:p14="http://schemas.microsoft.com/office/powerpoint/2010/main" id="1" dur="indefinite" restart="never" nodeType="tmRoot"/>
-      </p:par>
-    </p:tnLst>
-  </p:timing>
+</p:sld>
+</file>
+
+<file path=ppt/slides/slide2.xml><?xml version="1.0" encoding="utf-8"?>
+<p:sld xmlns:a="http://schemas.openxmlformats.org/drawingml/2006/main" xmlns:r="http://schemas.openxmlformats.org/officeDocument/2006/relationships" xmlns:p="http://schemas.openxmlformats.org/presentationml/2006/main">
+  <p:cSld>
+    <p:spTree>
+      <p:nvGrpSpPr>
+        <p:cNvPr id="1" name=""/>
+        <p:cNvGrpSpPr/>
+        <p:nvPr/>
+      </p:nvGrpSpPr>
+      <p:grpSpPr>
+        <a:xfrm>
+          <a:off x="0" y="0"/>
+          <a:ext cx="0" cy="0"/>
+          <a:chOff x="0" y="0"/>
+          <a:chExt cx="0" cy="0"/>
+        </a:xfrm>
+      </p:grpSpPr>
+      <p:sp>
+        <p:nvSpPr>
+          <p:cNvPr id="2" name="Title 1">
+            <a:extLst>
+              <a:ext uri="{FF2B5EF4-FFF2-40B4-BE49-F238E27FC236}">
+                <a16:creationId xmlns:a16="http://schemas.microsoft.com/office/drawing/2014/main" id="{09554FDB-8CCA-D447-B44D-9213DB743807}"/>
+              </a:ext>
+            </a:extLst>
+          </p:cNvPr>
+          <p:cNvSpPr>
+            <a:spLocks noGrp="1"/>
+          </p:cNvSpPr>
+          <p:nvPr>
+            <p:ph type="title"/>
+          </p:nvPr>
+        </p:nvSpPr>
+        <p:spPr/>
+        <p:txBody>
+          <a:bodyPr/>
+          <a:lstStyle/>
+          <a:p>
+            <a:endParaRPr lang="en-US"/>
+          </a:p>
+        </p:txBody>
+      </p:sp>
+      <p:sp>
+        <p:nvSpPr>
+          <p:cNvPr id="3" name="Content Placeholder 2">
+            <a:extLst>
+              <a:ext uri="{FF2B5EF4-FFF2-40B4-BE49-F238E27FC236}">
+                <a16:creationId xmlns:a16="http://schemas.microsoft.com/office/drawing/2014/main" id="{A60D5CF8-AA32-FF40-A1CA-41329A3430EA}"/>
+              </a:ext>
+            </a:extLst>
+          </p:cNvPr>
+          <p:cNvSpPr>
+            <a:spLocks noGrp="1"/>
+          </p:cNvSpPr>
+          <p:nvPr>
+            <p:ph idx="1"/>
+          </p:nvPr>
+        </p:nvSpPr>
+        <p:spPr/>
+        <p:txBody>
+          <a:bodyPr/>
+          <a:lstStyle/>
+          <a:p>
+            <a:endParaRPr lang="en-US"/>
+          </a:p>
+        </p:txBody>
+      </p:sp>
+      <p:cxnSp>
+        <p:nvCxnSpPr>
+          <p:cNvPr id="4" name="Straight Connector 3">
+            <a:extLst>
+              <a:ext uri="{FF2B5EF4-FFF2-40B4-BE49-F238E27FC236}">
+                <a16:creationId xmlns:a16="http://schemas.microsoft.com/office/drawing/2014/main" id="{9B536DBC-BA22-3943-8BBF-B8AFBF7049C7}"/>
+              </a:ext>
+            </a:extLst>
+          </p:cNvPr>
+          <p:cNvCxnSpPr/>
+          <p:nvPr/>
+        </p:nvCxnSpPr>
+        <p:spPr>
+          <a:xfrm>
+            <a:off x="1193801" y="6152312"/>
+            <a:ext cx="13598646" cy="0"/>
+          </a:xfrm>
+          <a:prstGeom prst="line">
+            <a:avLst/>
+          </a:prstGeom>
+        </p:spPr>
+        <p:style>
+          <a:lnRef idx="2">
+            <a:schemeClr val="accent1"/>
+          </a:lnRef>
+          <a:fillRef idx="0">
+            <a:schemeClr val="accent1"/>
+          </a:fillRef>
+          <a:effectRef idx="1">
+            <a:schemeClr val="accent1"/>
+          </a:effectRef>
+          <a:fontRef idx="minor">
+            <a:schemeClr val="tx1"/>
+          </a:fontRef>
+        </p:style>
+      </p:cxnSp>
+      <p:cxnSp>
+        <p:nvCxnSpPr>
+          <p:cNvPr id="5" name="Straight Connector 4">
+            <a:extLst>
+              <a:ext uri="{FF2B5EF4-FFF2-40B4-BE49-F238E27FC236}">
+                <a16:creationId xmlns:a16="http://schemas.microsoft.com/office/drawing/2014/main" id="{03F5A554-B824-DD4E-B206-025FB0381CEF}"/>
+              </a:ext>
+            </a:extLst>
+          </p:cNvPr>
+          <p:cNvCxnSpPr/>
+          <p:nvPr/>
+        </p:nvCxnSpPr>
+        <p:spPr>
+          <a:xfrm>
+            <a:off x="3791672" y="4346203"/>
+            <a:ext cx="0" cy="1452574"/>
+          </a:xfrm>
+          <a:prstGeom prst="line">
+            <a:avLst/>
+          </a:prstGeom>
+          <a:ln>
+            <a:solidFill>
+              <a:srgbClr val="FF0000"/>
+            </a:solidFill>
+          </a:ln>
+        </p:spPr>
+        <p:style>
+          <a:lnRef idx="2">
+            <a:schemeClr val="accent1"/>
+          </a:lnRef>
+          <a:fillRef idx="0">
+            <a:schemeClr val="accent1"/>
+          </a:fillRef>
+          <a:effectRef idx="1">
+            <a:schemeClr val="accent1"/>
+          </a:effectRef>
+          <a:fontRef idx="minor">
+            <a:schemeClr val="tx1"/>
+          </a:fontRef>
+        </p:style>
+      </p:cxnSp>
+      <p:cxnSp>
+        <p:nvCxnSpPr>
+          <p:cNvPr id="6" name="Straight Connector 5">
+            <a:extLst>
+              <a:ext uri="{FF2B5EF4-FFF2-40B4-BE49-F238E27FC236}">
+                <a16:creationId xmlns:a16="http://schemas.microsoft.com/office/drawing/2014/main" id="{E3C270C5-CCC5-564C-AA60-B883C5C958BB}"/>
+              </a:ext>
+            </a:extLst>
+          </p:cNvPr>
+          <p:cNvCxnSpPr/>
+          <p:nvPr/>
+        </p:nvCxnSpPr>
+        <p:spPr>
+          <a:xfrm>
+            <a:off x="6541672" y="4346203"/>
+            <a:ext cx="0" cy="1452574"/>
+          </a:xfrm>
+          <a:prstGeom prst="line">
+            <a:avLst/>
+          </a:prstGeom>
+          <a:ln>
+            <a:solidFill>
+              <a:srgbClr val="FF0000"/>
+            </a:solidFill>
+          </a:ln>
+        </p:spPr>
+        <p:style>
+          <a:lnRef idx="2">
+            <a:schemeClr val="accent1"/>
+          </a:lnRef>
+          <a:fillRef idx="0">
+            <a:schemeClr val="accent1"/>
+          </a:fillRef>
+          <a:effectRef idx="1">
+            <a:schemeClr val="accent1"/>
+          </a:effectRef>
+          <a:fontRef idx="minor">
+            <a:schemeClr val="tx1"/>
+          </a:fontRef>
+        </p:style>
+      </p:cxnSp>
+      <p:cxnSp>
+        <p:nvCxnSpPr>
+          <p:cNvPr id="7" name="Straight Connector 6">
+            <a:extLst>
+              <a:ext uri="{FF2B5EF4-FFF2-40B4-BE49-F238E27FC236}">
+                <a16:creationId xmlns:a16="http://schemas.microsoft.com/office/drawing/2014/main" id="{5B3A1687-C438-8047-852F-B76245743B31}"/>
+              </a:ext>
+            </a:extLst>
+          </p:cNvPr>
+          <p:cNvCxnSpPr/>
+          <p:nvPr/>
+        </p:nvCxnSpPr>
+        <p:spPr>
+          <a:xfrm>
+            <a:off x="9347200" y="4346203"/>
+            <a:ext cx="0" cy="1452574"/>
+          </a:xfrm>
+          <a:prstGeom prst="line">
+            <a:avLst/>
+          </a:prstGeom>
+          <a:ln>
+            <a:solidFill>
+              <a:srgbClr val="FF0000"/>
+            </a:solidFill>
+          </a:ln>
+        </p:spPr>
+        <p:style>
+          <a:lnRef idx="2">
+            <a:schemeClr val="accent1"/>
+          </a:lnRef>
+          <a:fillRef idx="0">
+            <a:schemeClr val="accent1"/>
+          </a:fillRef>
+          <a:effectRef idx="1">
+            <a:schemeClr val="accent1"/>
+          </a:effectRef>
+          <a:fontRef idx="minor">
+            <a:schemeClr val="tx1"/>
+          </a:fontRef>
+        </p:style>
+      </p:cxnSp>
+      <p:cxnSp>
+        <p:nvCxnSpPr>
+          <p:cNvPr id="8" name="Straight Connector 7">
+            <a:extLst>
+              <a:ext uri="{FF2B5EF4-FFF2-40B4-BE49-F238E27FC236}">
+                <a16:creationId xmlns:a16="http://schemas.microsoft.com/office/drawing/2014/main" id="{7A694484-14A7-0B45-BE6D-692F1586287B}"/>
+              </a:ext>
+            </a:extLst>
+          </p:cNvPr>
+          <p:cNvCxnSpPr/>
+          <p:nvPr/>
+        </p:nvCxnSpPr>
+        <p:spPr>
+          <a:xfrm>
+            <a:off x="12038682" y="4346203"/>
+            <a:ext cx="0" cy="1452574"/>
+          </a:xfrm>
+          <a:prstGeom prst="line">
+            <a:avLst/>
+          </a:prstGeom>
+          <a:ln>
+            <a:solidFill>
+              <a:srgbClr val="FF0000"/>
+            </a:solidFill>
+          </a:ln>
+        </p:spPr>
+        <p:style>
+          <a:lnRef idx="2">
+            <a:schemeClr val="accent1"/>
+          </a:lnRef>
+          <a:fillRef idx="0">
+            <a:schemeClr val="accent1"/>
+          </a:fillRef>
+          <a:effectRef idx="1">
+            <a:schemeClr val="accent1"/>
+          </a:effectRef>
+          <a:fontRef idx="minor">
+            <a:schemeClr val="tx1"/>
+          </a:fontRef>
+        </p:style>
+      </p:cxnSp>
+      <p:cxnSp>
+        <p:nvCxnSpPr>
+          <p:cNvPr id="9" name="Straight Connector 8">
+            <a:extLst>
+              <a:ext uri="{FF2B5EF4-FFF2-40B4-BE49-F238E27FC236}">
+                <a16:creationId xmlns:a16="http://schemas.microsoft.com/office/drawing/2014/main" id="{25DC34DE-D614-D746-B141-BD37B72110DE}"/>
+              </a:ext>
+            </a:extLst>
+          </p:cNvPr>
+          <p:cNvCxnSpPr/>
+          <p:nvPr/>
+        </p:nvCxnSpPr>
+        <p:spPr>
+          <a:xfrm>
+            <a:off x="14792446" y="4346203"/>
+            <a:ext cx="0" cy="1452574"/>
+          </a:xfrm>
+          <a:prstGeom prst="line">
+            <a:avLst/>
+          </a:prstGeom>
+          <a:ln>
+            <a:solidFill>
+              <a:srgbClr val="FF0000"/>
+            </a:solidFill>
+          </a:ln>
+        </p:spPr>
+        <p:style>
+          <a:lnRef idx="2">
+            <a:schemeClr val="accent1"/>
+          </a:lnRef>
+          <a:fillRef idx="0">
+            <a:schemeClr val="accent1"/>
+          </a:fillRef>
+          <a:effectRef idx="1">
+            <a:schemeClr val="accent1"/>
+          </a:effectRef>
+          <a:fontRef idx="minor">
+            <a:schemeClr val="tx1"/>
+          </a:fontRef>
+        </p:style>
+      </p:cxnSp>
+      <p:sp>
+        <p:nvSpPr>
+          <p:cNvPr id="10" name="TextBox 9">
+            <a:extLst>
+              <a:ext uri="{FF2B5EF4-FFF2-40B4-BE49-F238E27FC236}">
+                <a16:creationId xmlns:a16="http://schemas.microsoft.com/office/drawing/2014/main" id="{E786EB1F-1F6D-A440-A64C-FD214344DFED}"/>
+              </a:ext>
+            </a:extLst>
+          </p:cNvPr>
+          <p:cNvSpPr txBox="1"/>
+          <p:nvPr/>
+        </p:nvSpPr>
+        <p:spPr>
+          <a:xfrm>
+            <a:off x="2014042" y="4176028"/>
+            <a:ext cx="17068800" cy="1323439"/>
+          </a:xfrm>
+          <a:prstGeom prst="rect">
+            <a:avLst/>
+          </a:prstGeom>
+          <a:noFill/>
+        </p:spPr>
+        <p:txBody>
+          <a:bodyPr wrap="square" rtlCol="0">
+            <a:spAutoFit/>
+          </a:bodyPr>
+          <a:lstStyle/>
+          <a:p>
+            <a:r>
+              <a:rPr lang="en-US" sz="8000" i="1">
+                <a:latin typeface="Helvetica"/>
+                <a:cs typeface="Helvetica"/>
+              </a:rPr>
+              <a:t>w</a:t>
+            </a:r>
+            <a:r>
+              <a:rPr lang="en-US" sz="8000" i="1" baseline="-25000">
+                <a:latin typeface="Helvetica"/>
+                <a:cs typeface="Helvetica"/>
+              </a:rPr>
+              <a:t>1</a:t>
+            </a:r>
+            <a:r>
+              <a:rPr lang="en-US" sz="8000" i="1">
+                <a:latin typeface="Helvetica"/>
+                <a:cs typeface="Helvetica"/>
+              </a:rPr>
+              <a:t>		w</a:t>
+            </a:r>
+            <a:r>
+              <a:rPr lang="en-US" sz="8000" i="1" baseline="-25000">
+                <a:latin typeface="Helvetica"/>
+                <a:cs typeface="Helvetica"/>
+              </a:rPr>
+              <a:t>2</a:t>
+            </a:r>
+            <a:r>
+              <a:rPr lang="en-US" sz="8000" i="1">
+                <a:latin typeface="Helvetica"/>
+                <a:cs typeface="Helvetica"/>
+              </a:rPr>
+              <a:t>		w</a:t>
+            </a:r>
+            <a:r>
+              <a:rPr lang="en-US" sz="8000" i="1" baseline="-25000">
+                <a:latin typeface="Helvetica"/>
+                <a:cs typeface="Helvetica"/>
+              </a:rPr>
+              <a:t>3</a:t>
+            </a:r>
+            <a:r>
+              <a:rPr lang="en-US" sz="8000" i="1">
+                <a:latin typeface="Helvetica"/>
+                <a:cs typeface="Helvetica"/>
+              </a:rPr>
+              <a:t>		w</a:t>
+            </a:r>
+            <a:r>
+              <a:rPr lang="en-US" sz="8000" i="1" baseline="-25000">
+                <a:latin typeface="Helvetica"/>
+                <a:cs typeface="Helvetica"/>
+              </a:rPr>
+              <a:t>4</a:t>
+            </a:r>
+            <a:r>
+              <a:rPr lang="en-US" sz="8000" i="1">
+                <a:latin typeface="Helvetica"/>
+                <a:cs typeface="Helvetica"/>
+              </a:rPr>
+              <a:t>		w</a:t>
+            </a:r>
+            <a:r>
+              <a:rPr lang="en-US" sz="8000" i="1" baseline="-25000">
+                <a:latin typeface="Helvetica"/>
+                <a:cs typeface="Helvetica"/>
+              </a:rPr>
+              <a:t>5</a:t>
+            </a:r>
+            <a:r>
+              <a:rPr lang="en-US" sz="8000" i="1">
+                <a:latin typeface="Helvetica"/>
+                <a:cs typeface="Helvetica"/>
+              </a:rPr>
+              <a:t>		w</a:t>
+            </a:r>
+            <a:r>
+              <a:rPr lang="en-US" sz="8000" i="1" baseline="-25000">
+                <a:latin typeface="Helvetica"/>
+                <a:cs typeface="Helvetica"/>
+              </a:rPr>
+              <a:t>6</a:t>
+            </a:r>
+            <a:r>
+              <a:rPr lang="en-US" sz="8000">
+                <a:latin typeface="Helvetica"/>
+                <a:cs typeface="Helvetica"/>
+              </a:rPr>
+              <a:t>		</a:t>
+            </a:r>
+          </a:p>
+        </p:txBody>
+      </p:sp>
+      <p:cxnSp>
+        <p:nvCxnSpPr>
+          <p:cNvPr id="11" name="Straight Connector 10">
+            <a:extLst>
+              <a:ext uri="{FF2B5EF4-FFF2-40B4-BE49-F238E27FC236}">
+                <a16:creationId xmlns:a16="http://schemas.microsoft.com/office/drawing/2014/main" id="{C54ECC70-1AFE-CD40-A8D2-F52940AEC6C5}"/>
+              </a:ext>
+            </a:extLst>
+          </p:cNvPr>
+          <p:cNvCxnSpPr/>
+          <p:nvPr/>
+        </p:nvCxnSpPr>
+        <p:spPr>
+          <a:xfrm>
+            <a:off x="1168401" y="7066712"/>
+            <a:ext cx="13624046" cy="0"/>
+          </a:xfrm>
+          <a:prstGeom prst="line">
+            <a:avLst/>
+          </a:prstGeom>
+        </p:spPr>
+        <p:style>
+          <a:lnRef idx="2">
+            <a:schemeClr val="accent1"/>
+          </a:lnRef>
+          <a:fillRef idx="0">
+            <a:schemeClr val="accent1"/>
+          </a:fillRef>
+          <a:effectRef idx="1">
+            <a:schemeClr val="accent1"/>
+          </a:effectRef>
+          <a:fontRef idx="minor">
+            <a:schemeClr val="tx1"/>
+          </a:fontRef>
+        </p:style>
+      </p:cxnSp>
+      <p:sp>
+        <p:nvSpPr>
+          <p:cNvPr id="12" name="Oval 11">
+            <a:extLst>
+              <a:ext uri="{FF2B5EF4-FFF2-40B4-BE49-F238E27FC236}">
+                <a16:creationId xmlns:a16="http://schemas.microsoft.com/office/drawing/2014/main" id="{609987C5-919E-1545-A8F7-BDD5EF907B20}"/>
+              </a:ext>
+            </a:extLst>
+          </p:cNvPr>
+          <p:cNvSpPr/>
+          <p:nvPr/>
+        </p:nvSpPr>
+        <p:spPr>
+          <a:xfrm>
+            <a:off x="914400" y="5898312"/>
+            <a:ext cx="685800" cy="596900"/>
+          </a:xfrm>
+          <a:prstGeom prst="ellipse">
+            <a:avLst/>
+          </a:prstGeom>
+          <a:solidFill>
+            <a:schemeClr val="tx1"/>
+          </a:solidFill>
+        </p:spPr>
+        <p:style>
+          <a:lnRef idx="1">
+            <a:schemeClr val="accent1"/>
+          </a:lnRef>
+          <a:fillRef idx="3">
+            <a:schemeClr val="accent1"/>
+          </a:fillRef>
+          <a:effectRef idx="2">
+            <a:schemeClr val="accent1"/>
+          </a:effectRef>
+          <a:fontRef idx="minor">
+            <a:schemeClr val="lt1"/>
+          </a:fontRef>
+        </p:style>
+        <p:txBody>
+          <a:bodyPr rtlCol="0" anchor="ctr"/>
+          <a:lstStyle/>
+          <a:p>
+            <a:pPr algn="ctr"/>
+            <a:endParaRPr lang="en-US" sz="7200"/>
+          </a:p>
+        </p:txBody>
+      </p:sp>
+      <p:sp>
+        <p:nvSpPr>
+          <p:cNvPr id="13" name="Oval 12">
+            <a:extLst>
+              <a:ext uri="{FF2B5EF4-FFF2-40B4-BE49-F238E27FC236}">
+                <a16:creationId xmlns:a16="http://schemas.microsoft.com/office/drawing/2014/main" id="{170982B3-FCF5-B54F-AC6F-C06FC0F7F731}"/>
+              </a:ext>
+            </a:extLst>
+          </p:cNvPr>
+          <p:cNvSpPr/>
+          <p:nvPr/>
+        </p:nvSpPr>
+        <p:spPr>
+          <a:xfrm>
+            <a:off x="914400" y="6774612"/>
+            <a:ext cx="685800" cy="596900"/>
+          </a:xfrm>
+          <a:prstGeom prst="ellipse">
+            <a:avLst/>
+          </a:prstGeom>
+          <a:solidFill>
+            <a:srgbClr val="000000"/>
+          </a:solidFill>
+        </p:spPr>
+        <p:style>
+          <a:lnRef idx="1">
+            <a:schemeClr val="accent1"/>
+          </a:lnRef>
+          <a:fillRef idx="3">
+            <a:schemeClr val="accent1"/>
+          </a:fillRef>
+          <a:effectRef idx="2">
+            <a:schemeClr val="accent1"/>
+          </a:effectRef>
+          <a:fontRef idx="minor">
+            <a:schemeClr val="lt1"/>
+          </a:fontRef>
+        </p:style>
+        <p:txBody>
+          <a:bodyPr rtlCol="0" anchor="ctr"/>
+          <a:lstStyle/>
+          <a:p>
+            <a:pPr algn="ctr"/>
+            <a:endParaRPr lang="en-US" sz="7200"/>
+          </a:p>
+        </p:txBody>
+      </p:sp>
+      <p:sp>
+        <p:nvSpPr>
+          <p:cNvPr id="14" name="Multiply 13">
+            <a:extLst>
+              <a:ext uri="{FF2B5EF4-FFF2-40B4-BE49-F238E27FC236}">
+                <a16:creationId xmlns:a16="http://schemas.microsoft.com/office/drawing/2014/main" id="{3C134474-34FB-0B41-90F5-41353005B4B8}"/>
+              </a:ext>
+            </a:extLst>
+          </p:cNvPr>
+          <p:cNvSpPr/>
+          <p:nvPr/>
+        </p:nvSpPr>
+        <p:spPr>
+          <a:xfrm>
+            <a:off x="9984202" y="5607775"/>
+            <a:ext cx="1315548" cy="1166838"/>
+          </a:xfrm>
+          <a:prstGeom prst="mathMultiply">
+            <a:avLst/>
+          </a:prstGeom>
+          <a:solidFill>
+            <a:schemeClr val="accent3"/>
+          </a:solidFill>
+        </p:spPr>
+        <p:style>
+          <a:lnRef idx="1">
+            <a:schemeClr val="accent1"/>
+          </a:lnRef>
+          <a:fillRef idx="3">
+            <a:schemeClr val="accent1"/>
+          </a:fillRef>
+          <a:effectRef idx="2">
+            <a:schemeClr val="accent1"/>
+          </a:effectRef>
+          <a:fontRef idx="minor">
+            <a:schemeClr val="lt1"/>
+          </a:fontRef>
+        </p:style>
+        <p:txBody>
+          <a:bodyPr rtlCol="0" anchor="ctr"/>
+          <a:lstStyle/>
+          <a:p>
+            <a:pPr algn="ctr"/>
+            <a:endParaRPr lang="en-US" sz="7200"/>
+          </a:p>
+        </p:txBody>
+      </p:sp>
+      <p:sp>
+        <p:nvSpPr>
+          <p:cNvPr id="15" name="TextBox 14">
+            <a:extLst>
+              <a:ext uri="{FF2B5EF4-FFF2-40B4-BE49-F238E27FC236}">
+                <a16:creationId xmlns:a16="http://schemas.microsoft.com/office/drawing/2014/main" id="{DED67B23-D232-0846-8A71-DE20288D5472}"/>
+              </a:ext>
+            </a:extLst>
+          </p:cNvPr>
+          <p:cNvSpPr txBox="1"/>
+          <p:nvPr/>
+        </p:nvSpPr>
+        <p:spPr>
+          <a:xfrm>
+            <a:off x="6762101" y="7713293"/>
+            <a:ext cx="10553162" cy="1323439"/>
+          </a:xfrm>
+          <a:prstGeom prst="rect">
+            <a:avLst/>
+          </a:prstGeom>
+          <a:noFill/>
+        </p:spPr>
+        <p:txBody>
+          <a:bodyPr wrap="square" rtlCol="0">
+            <a:spAutoFit/>
+          </a:bodyPr>
+          <a:lstStyle/>
+          <a:p>
+            <a:r>
+              <a:rPr lang="en-US" sz="8000" i="1">
+                <a:latin typeface="Helvetica"/>
+                <a:cs typeface="Helvetica"/>
+              </a:rPr>
+              <a:t>L </a:t>
+            </a:r>
+            <a:r>
+              <a:rPr lang="en-US" sz="8000" i="1"/>
+              <a:t>∈</a:t>
+            </a:r>
+            <a:r>
+              <a:rPr lang="en-US" sz="8000" i="1">
+                <a:latin typeface="Helvetica"/>
+                <a:cs typeface="Helvetica"/>
+              </a:rPr>
+              <a:t> w</a:t>
+            </a:r>
+            <a:r>
+              <a:rPr lang="en-US" sz="8000" i="1" baseline="-25000">
+                <a:latin typeface="Helvetica"/>
+                <a:cs typeface="Helvetica"/>
+              </a:rPr>
+              <a:t>4</a:t>
+            </a:r>
+            <a:r>
+              <a:rPr lang="en-US" sz="8000" i="1">
+                <a:latin typeface="Helvetica"/>
+                <a:cs typeface="Helvetica"/>
+              </a:rPr>
+              <a:t> </a:t>
+            </a:r>
+            <a:r>
+              <a:rPr lang="en-US" sz="8000">
+                <a:latin typeface="Helvetica"/>
+                <a:cs typeface="Helvetica"/>
+              </a:rPr>
+              <a:t>here</a:t>
+            </a:r>
+          </a:p>
+        </p:txBody>
+      </p:sp>
+      <p:sp>
+        <p:nvSpPr>
+          <p:cNvPr id="16" name="TextBox 15">
+            <a:extLst>
+              <a:ext uri="{FF2B5EF4-FFF2-40B4-BE49-F238E27FC236}">
+                <a16:creationId xmlns:a16="http://schemas.microsoft.com/office/drawing/2014/main" id="{571D3262-C67A-7845-950F-218566CA6243}"/>
+              </a:ext>
+            </a:extLst>
+          </p:cNvPr>
+          <p:cNvSpPr txBox="1"/>
+          <p:nvPr/>
+        </p:nvSpPr>
+        <p:spPr>
+          <a:xfrm>
+            <a:off x="1168401" y="588210"/>
+            <a:ext cx="16146862" cy="2554545"/>
+          </a:xfrm>
+          <a:prstGeom prst="rect">
+            <a:avLst/>
+          </a:prstGeom>
+          <a:noFill/>
+        </p:spPr>
+        <p:txBody>
+          <a:bodyPr wrap="square" rtlCol="0">
+            <a:spAutoFit/>
+          </a:bodyPr>
+          <a:lstStyle/>
+          <a:p>
+            <a:pPr algn="ctr"/>
+            <a:r>
+              <a:rPr lang="en-US" sz="8000" b="1">
+                <a:latin typeface="Helvetica"/>
+                <a:cs typeface="Helvetica"/>
+              </a:rPr>
+              <a:t>Windows of pairwise haplotypic identity by state lengths (L)</a:t>
+            </a:r>
+          </a:p>
+        </p:txBody>
+      </p:sp>
+    </p:spTree>
+    <p:extLst>
+      <p:ext uri="{BB962C8B-B14F-4D97-AF65-F5344CB8AC3E}">
+        <p14:creationId xmlns:p14="http://schemas.microsoft.com/office/powerpoint/2010/main" val="2177090083"/>
+      </p:ext>
+    </p:extLst>
+  </p:cSld>
+  <p:clrMapOvr>
+    <a:masterClrMapping/>
+  </p:clrMapOvr>
 </p:sld>
 </file>
 
